--- a/III-Checkpoint/III-Checkpoint Presentation.pptx
+++ b/III-Checkpoint/III-Checkpoint Presentation.pptx
@@ -5,19 +5,21 @@
     <p:sldMasterId id="2147483648" r:id="rId1"/>
   </p:sldMasterIdLst>
   <p:notesMasterIdLst>
-    <p:notesMasterId r:id="rId9"/>
+    <p:notesMasterId r:id="rId11"/>
   </p:notesMasterIdLst>
   <p:handoutMasterIdLst>
-    <p:handoutMasterId r:id="rId10"/>
+    <p:handoutMasterId r:id="rId12"/>
   </p:handoutMasterIdLst>
   <p:sldIdLst>
     <p:sldId id="256" r:id="rId2"/>
     <p:sldId id="257" r:id="rId3"/>
     <p:sldId id="1096" r:id="rId4"/>
-    <p:sldId id="1109" r:id="rId5"/>
+    <p:sldId id="1111" r:id="rId5"/>
     <p:sldId id="1097" r:id="rId6"/>
     <p:sldId id="1098" r:id="rId7"/>
     <p:sldId id="1110" r:id="rId8"/>
+    <p:sldId id="1112" r:id="rId9"/>
+    <p:sldId id="1113" r:id="rId10"/>
   </p:sldIdLst>
   <p:sldSz cx="9144000" cy="6858000" type="screen4x3"/>
   <p:notesSz cx="6858000" cy="9144000"/>
@@ -118,7 +120,7 @@
   </p:defaultTextStyle>
   <p:extLst>
     <p:ext uri="{EFAFB233-063F-42B5-8137-9DF3F51BA10A}">
-      <p15:sldGuideLst xmlns:p15="http://schemas.microsoft.com/office/powerpoint/2012/main">
+      <p15:sldGuideLst xmlns:p15="http://schemas.microsoft.com/office/powerpoint/2012/main" xmlns="">
         <p15:guide id="1" orient="horz" pos="2160">
           <p15:clr>
             <a:srgbClr val="A4A3A4"/>
@@ -217,7 +219,7 @@
           <a:p>
             <a:fld id="{745C36E7-9E00-462E-80A3-32F2BE615C7A}" type="datetimeFigureOut">
               <a:rPr lang="en-US" smtClean="0"/>
-              <a:t>10/24/2016</a:t>
+              <a:t>11/3/2016</a:t>
             </a:fld>
             <a:endParaRPr lang="en-US"/>
           </a:p>
@@ -283,7 +285,7 @@
           <a:p>
             <a:fld id="{C7B702CB-D988-47C5-8204-95032A6A7C26}" type="slidenum">
               <a:rPr lang="en-US" smtClean="0"/>
-              <a:t>‹nº›</a:t>
+              <a:t>‹#›</a:t>
             </a:fld>
             <a:endParaRPr lang="en-US"/>
           </a:p>
@@ -383,7 +385,7 @@
             <a:fld id="{01F3E309-ED8D-4193-99AF-E5EA90965E98}" type="datetimeFigureOut">
               <a:rPr lang="en-US" smtClean="0"/>
               <a:pPr/>
-              <a:t>10/24/2016</a:t>
+              <a:t>11/3/2016</a:t>
             </a:fld>
             <a:endParaRPr lang="en-US"/>
           </a:p>
@@ -544,7 +546,7 @@
             <a:fld id="{F535F173-C1DD-4975-94BF-5B9ED67F7674}" type="slidenum">
               <a:rPr lang="en-US" smtClean="0"/>
               <a:pPr/>
-              <a:t>‹nº›</a:t>
+              <a:t>‹#›</a:t>
             </a:fld>
             <a:endParaRPr lang="en-US"/>
           </a:p>
@@ -1078,6 +1080,176 @@
 </p:notes>
 </file>
 
+<file path=ppt/notesSlides/notesSlide6.xml><?xml version="1.0" encoding="utf-8"?>
+<p:notes xmlns:a="http://schemas.openxmlformats.org/drawingml/2006/main" xmlns:r="http://schemas.openxmlformats.org/officeDocument/2006/relationships" xmlns:p="http://schemas.openxmlformats.org/presentationml/2006/main">
+  <p:cSld>
+    <p:spTree>
+      <p:nvGrpSpPr>
+        <p:cNvPr id="1" name=""/>
+        <p:cNvGrpSpPr/>
+        <p:nvPr/>
+      </p:nvGrpSpPr>
+      <p:grpSpPr>
+        <a:xfrm>
+          <a:off x="0" y="0"/>
+          <a:ext cx="0" cy="0"/>
+          <a:chOff x="0" y="0"/>
+          <a:chExt cx="0" cy="0"/>
+        </a:xfrm>
+      </p:grpSpPr>
+      <p:sp>
+        <p:nvSpPr>
+          <p:cNvPr id="2" name="Slide Image Placeholder 1"/>
+          <p:cNvSpPr>
+            <a:spLocks noGrp="1" noRot="1" noChangeAspect="1"/>
+          </p:cNvSpPr>
+          <p:nvPr>
+            <p:ph type="sldImg"/>
+          </p:nvPr>
+        </p:nvSpPr>
+        <p:spPr/>
+      </p:sp>
+      <p:sp>
+        <p:nvSpPr>
+          <p:cNvPr id="3" name="Notes Placeholder 2"/>
+          <p:cNvSpPr>
+            <a:spLocks noGrp="1"/>
+          </p:cNvSpPr>
+          <p:nvPr>
+            <p:ph type="body" idx="1"/>
+          </p:nvPr>
+        </p:nvSpPr>
+        <p:spPr/>
+        <p:txBody>
+          <a:bodyPr/>
+          <a:lstStyle/>
+          <a:p>
+            <a:endParaRPr lang="en-US" baseline="0" dirty="0"/>
+          </a:p>
+        </p:txBody>
+      </p:sp>
+      <p:sp>
+        <p:nvSpPr>
+          <p:cNvPr id="4" name="Slide Number Placeholder 3"/>
+          <p:cNvSpPr>
+            <a:spLocks noGrp="1"/>
+          </p:cNvSpPr>
+          <p:nvPr>
+            <p:ph type="sldNum" sz="quarter" idx="10"/>
+          </p:nvPr>
+        </p:nvSpPr>
+        <p:spPr/>
+        <p:txBody>
+          <a:bodyPr/>
+          <a:lstStyle/>
+          <a:p>
+            <a:fld id="{F535F173-C1DD-4975-94BF-5B9ED67F7674}" type="slidenum">
+              <a:rPr lang="en-US" smtClean="0"/>
+              <a:pPr/>
+              <a:t>8</a:t>
+            </a:fld>
+            <a:endParaRPr lang="en-US"/>
+          </a:p>
+        </p:txBody>
+      </p:sp>
+    </p:spTree>
+    <p:extLst>
+      <p:ext uri="{BB962C8B-B14F-4D97-AF65-F5344CB8AC3E}">
+        <p14:creationId xmlns:p14="http://schemas.microsoft.com/office/powerpoint/2010/main" val="1355792998"/>
+      </p:ext>
+    </p:extLst>
+  </p:cSld>
+  <p:clrMapOvr>
+    <a:masterClrMapping/>
+  </p:clrMapOvr>
+</p:notes>
+</file>
+
+<file path=ppt/notesSlides/notesSlide7.xml><?xml version="1.0" encoding="utf-8"?>
+<p:notes xmlns:a="http://schemas.openxmlformats.org/drawingml/2006/main" xmlns:r="http://schemas.openxmlformats.org/officeDocument/2006/relationships" xmlns:p="http://schemas.openxmlformats.org/presentationml/2006/main">
+  <p:cSld>
+    <p:spTree>
+      <p:nvGrpSpPr>
+        <p:cNvPr id="1" name=""/>
+        <p:cNvGrpSpPr/>
+        <p:nvPr/>
+      </p:nvGrpSpPr>
+      <p:grpSpPr>
+        <a:xfrm>
+          <a:off x="0" y="0"/>
+          <a:ext cx="0" cy="0"/>
+          <a:chOff x="0" y="0"/>
+          <a:chExt cx="0" cy="0"/>
+        </a:xfrm>
+      </p:grpSpPr>
+      <p:sp>
+        <p:nvSpPr>
+          <p:cNvPr id="2" name="Slide Image Placeholder 1"/>
+          <p:cNvSpPr>
+            <a:spLocks noGrp="1" noRot="1" noChangeAspect="1"/>
+          </p:cNvSpPr>
+          <p:nvPr>
+            <p:ph type="sldImg"/>
+          </p:nvPr>
+        </p:nvSpPr>
+        <p:spPr/>
+      </p:sp>
+      <p:sp>
+        <p:nvSpPr>
+          <p:cNvPr id="3" name="Notes Placeholder 2"/>
+          <p:cNvSpPr>
+            <a:spLocks noGrp="1"/>
+          </p:cNvSpPr>
+          <p:nvPr>
+            <p:ph type="body" idx="1"/>
+          </p:nvPr>
+        </p:nvSpPr>
+        <p:spPr/>
+        <p:txBody>
+          <a:bodyPr/>
+          <a:lstStyle/>
+          <a:p>
+            <a:endParaRPr lang="en-US" baseline="0" dirty="0"/>
+          </a:p>
+        </p:txBody>
+      </p:sp>
+      <p:sp>
+        <p:nvSpPr>
+          <p:cNvPr id="4" name="Slide Number Placeholder 3"/>
+          <p:cNvSpPr>
+            <a:spLocks noGrp="1"/>
+          </p:cNvSpPr>
+          <p:nvPr>
+            <p:ph type="sldNum" sz="quarter" idx="10"/>
+          </p:nvPr>
+        </p:nvSpPr>
+        <p:spPr/>
+        <p:txBody>
+          <a:bodyPr/>
+          <a:lstStyle/>
+          <a:p>
+            <a:fld id="{F535F173-C1DD-4975-94BF-5B9ED67F7674}" type="slidenum">
+              <a:rPr lang="en-US" smtClean="0"/>
+              <a:pPr/>
+              <a:t>9</a:t>
+            </a:fld>
+            <a:endParaRPr lang="en-US"/>
+          </a:p>
+        </p:txBody>
+      </p:sp>
+    </p:spTree>
+    <p:extLst>
+      <p:ext uri="{BB962C8B-B14F-4D97-AF65-F5344CB8AC3E}">
+        <p14:creationId xmlns:p14="http://schemas.microsoft.com/office/powerpoint/2010/main" val="1355792998"/>
+      </p:ext>
+    </p:extLst>
+  </p:cSld>
+  <p:clrMapOvr>
+    <a:masterClrMapping/>
+  </p:clrMapOvr>
+</p:notes>
+</file>
+
 <file path=ppt/slideLayouts/slideLayout1.xml><?xml version="1.0" encoding="utf-8"?>
 <p:sldLayout xmlns:a="http://schemas.openxmlformats.org/drawingml/2006/main" xmlns:r="http://schemas.openxmlformats.org/officeDocument/2006/relationships" xmlns:p="http://schemas.openxmlformats.org/presentationml/2006/main" preserve="1" userDrawn="1">
   <p:cSld name="Title Slide">
@@ -1570,7 +1742,7 @@
             <a:fld id="{F3CC9924-33BC-4796-B0F9-D37DB5D899BF}" type="datetimeFigureOut">
               <a:rPr lang="pt-PT" smtClean="0"/>
               <a:pPr/>
-              <a:t>24/10/2016</a:t>
+              <a:t>03-11-2016</a:t>
             </a:fld>
             <a:endParaRPr lang="pt-PT"/>
           </a:p>
@@ -1629,7 +1801,7 @@
             <a:fld id="{B5EBF8D4-C87A-47B7-9996-84452461937B}" type="slidenum">
               <a:rPr lang="pt-PT" smtClean="0"/>
               <a:pPr/>
-              <a:t>‹nº›</a:t>
+              <a:t>‹#›</a:t>
             </a:fld>
             <a:endParaRPr lang="pt-PT"/>
           </a:p>
@@ -3304,6 +3476,10 @@
               <a:rPr lang="pt-PT" sz="4800" b="1" dirty="0" err="1"/>
               <a:t>Visualization</a:t>
             </a:r>
+            <a:r>
+              <a:rPr lang="pt-PT" sz="4800" b="1" dirty="0"/>
+              <a:t/>
+            </a:r>
             <a:br>
               <a:rPr lang="pt-PT" sz="4800" b="1" dirty="0"/>
             </a:br>
@@ -3720,16 +3896,133 @@
           </a:bodyPr>
           <a:lstStyle/>
           <a:p>
-            <a:r>
-              <a:rPr lang="en-US" sz="4000" dirty="0"/>
-              <a:t>Item1 | Type:</a:t>
-            </a:r>
-          </a:p>
-          <a:p>
-            <a:r>
-              <a:rPr lang="en-US" sz="4000" dirty="0"/>
-              <a:t>Visual Encoding:</a:t>
-            </a:r>
+            <a:pPr lvl="0"/>
+            <a:r>
+              <a:rPr lang="en-GB" sz="4000" dirty="0" smtClean="0"/>
+              <a:t>Course </a:t>
+            </a:r>
+            <a:r>
+              <a:rPr lang="en-GB" sz="4000" dirty="0"/>
+              <a:t>Unemployment </a:t>
+            </a:r>
+            <a:r>
+              <a:rPr lang="en-GB" sz="4000" dirty="0" smtClean="0"/>
+              <a:t>%</a:t>
+            </a:r>
+          </a:p>
+          <a:p>
+            <a:pPr marL="857250" lvl="1" indent="-457200">
+              <a:buFont typeface="Wingdings" panose="05000000000000000000" pitchFamily="2" charset="2"/>
+              <a:buChar char="ü"/>
+            </a:pPr>
+            <a:r>
+              <a:rPr lang="en-GB" b="0" dirty="0" smtClean="0">
+                <a:solidFill>
+                  <a:schemeClr val="tx1"/>
+                </a:solidFill>
+              </a:rPr>
+              <a:t>Encoded </a:t>
+            </a:r>
+            <a:r>
+              <a:rPr lang="en-GB" b="0" dirty="0">
+                <a:solidFill>
+                  <a:schemeClr val="tx1"/>
+                </a:solidFill>
+              </a:rPr>
+              <a:t>as </a:t>
+            </a:r>
+            <a:r>
+              <a:rPr lang="en-GB" b="1" dirty="0">
+                <a:solidFill>
+                  <a:schemeClr val="tx1"/>
+                </a:solidFill>
+              </a:rPr>
+              <a:t>position</a:t>
+            </a:r>
+            <a:r>
+              <a:rPr lang="en-GB" b="0" dirty="0">
+                <a:solidFill>
+                  <a:schemeClr val="tx1"/>
+                </a:solidFill>
+              </a:rPr>
+              <a:t> in vertical </a:t>
+            </a:r>
+            <a:r>
+              <a:rPr lang="en-GB" b="0" dirty="0" smtClean="0">
+                <a:solidFill>
+                  <a:schemeClr val="tx1"/>
+                </a:solidFill>
+              </a:rPr>
+              <a:t>axis</a:t>
+            </a:r>
+            <a:endParaRPr lang="en-GB" b="0" dirty="0">
+              <a:solidFill>
+                <a:schemeClr val="tx1"/>
+              </a:solidFill>
+            </a:endParaRPr>
+          </a:p>
+          <a:p>
+            <a:pPr marL="0" indent="0"/>
+            <a:endParaRPr lang="en-GB" sz="2800" dirty="0" smtClean="0"/>
+          </a:p>
+          <a:p>
+            <a:pPr marL="0" indent="0"/>
+            <a:r>
+              <a:rPr lang="en-GB" sz="4000" dirty="0" smtClean="0"/>
+              <a:t>Year</a:t>
+            </a:r>
+            <a:endParaRPr lang="en-GB" sz="4000" dirty="0"/>
+          </a:p>
+          <a:p>
+            <a:pPr marL="857250" lvl="1" indent="-457200">
+              <a:buFont typeface="Wingdings" panose="05000000000000000000" pitchFamily="2" charset="2"/>
+              <a:buChar char="ü"/>
+            </a:pPr>
+            <a:r>
+              <a:rPr lang="en-GB" b="0" dirty="0">
+                <a:solidFill>
+                  <a:schemeClr val="tx1"/>
+                </a:solidFill>
+              </a:rPr>
+              <a:t>Encoded </a:t>
+            </a:r>
+            <a:r>
+              <a:rPr lang="en-GB" b="0" dirty="0">
+                <a:solidFill>
+                  <a:schemeClr val="tx1"/>
+                </a:solidFill>
+              </a:rPr>
+              <a:t>as </a:t>
+            </a:r>
+            <a:r>
+              <a:rPr lang="en-GB" b="1" dirty="0">
+                <a:solidFill>
+                  <a:schemeClr val="tx1"/>
+                </a:solidFill>
+              </a:rPr>
+              <a:t>position</a:t>
+            </a:r>
+            <a:r>
+              <a:rPr lang="en-GB" b="0" dirty="0">
+                <a:solidFill>
+                  <a:schemeClr val="tx1"/>
+                </a:solidFill>
+              </a:rPr>
+              <a:t> in horizontal </a:t>
+            </a:r>
+            <a:r>
+              <a:rPr lang="en-GB" b="0" dirty="0" smtClean="0">
+                <a:solidFill>
+                  <a:schemeClr val="tx1"/>
+                </a:solidFill>
+              </a:rPr>
+              <a:t>axis</a:t>
+            </a:r>
+            <a:endParaRPr lang="pt-PT" b="0" dirty="0">
+              <a:solidFill>
+                <a:schemeClr val="tx1"/>
+              </a:solidFill>
+            </a:endParaRPr>
           </a:p>
         </p:txBody>
       </p:sp>
@@ -3803,23 +4096,122 @@
           </a:bodyPr>
           <a:lstStyle/>
           <a:p>
-            <a:r>
-              <a:rPr lang="en-US" sz="4000" dirty="0"/>
-              <a:t>Item2 | Type:</a:t>
-            </a:r>
-          </a:p>
-          <a:p>
-            <a:r>
-              <a:rPr lang="en-US" sz="4000" dirty="0"/>
-              <a:t>Visual Encoding:</a:t>
-            </a:r>
+            <a:pPr lvl="0"/>
+            <a:r>
+              <a:rPr lang="en-GB" sz="4000" dirty="0" smtClean="0"/>
+              <a:t>Course/University </a:t>
+            </a:r>
+            <a:r>
+              <a:rPr lang="en-GB" sz="4000" dirty="0"/>
+              <a:t>Name</a:t>
+            </a:r>
+          </a:p>
+          <a:p>
+            <a:pPr marL="857250" lvl="1" indent="-457200">
+              <a:buFont typeface="Wingdings" panose="05000000000000000000" pitchFamily="2" charset="2"/>
+              <a:buChar char="ü"/>
+            </a:pPr>
+            <a:r>
+              <a:rPr lang="en-GB" b="0" dirty="0">
+                <a:solidFill>
+                  <a:schemeClr val="tx1"/>
+                </a:solidFill>
+              </a:rPr>
+              <a:t>Encoded as </a:t>
+            </a:r>
+            <a:r>
+              <a:rPr lang="en-GB" b="1" dirty="0">
+                <a:solidFill>
+                  <a:schemeClr val="tx1"/>
+                </a:solidFill>
+              </a:rPr>
+              <a:t>colours “hue</a:t>
+            </a:r>
+            <a:r>
+              <a:rPr lang="en-GB" b="1" dirty="0" smtClean="0">
+                <a:solidFill>
+                  <a:schemeClr val="tx1"/>
+                </a:solidFill>
+              </a:rPr>
+              <a:t>”</a:t>
+            </a:r>
+          </a:p>
+          <a:p>
+            <a:pPr marL="400050" lvl="1" indent="0"/>
+            <a:endParaRPr lang="pt-PT" b="1" dirty="0">
+              <a:solidFill>
+                <a:schemeClr val="tx1"/>
+              </a:solidFill>
+            </a:endParaRPr>
+          </a:p>
+          <a:p>
+            <a:pPr lvl="0"/>
+            <a:r>
+              <a:rPr lang="en-GB" sz="4000" dirty="0"/>
+              <a:t>Entry </a:t>
+            </a:r>
+            <a:r>
+              <a:rPr lang="en-GB" sz="4000" dirty="0"/>
+              <a:t>Grade</a:t>
+            </a:r>
+          </a:p>
+          <a:p>
+            <a:pPr marL="857250" lvl="1" indent="-457200">
+              <a:buFont typeface="Wingdings" panose="05000000000000000000" pitchFamily="2" charset="2"/>
+              <a:buChar char="ü"/>
+            </a:pPr>
+            <a:r>
+              <a:rPr lang="en-GB" b="0" dirty="0" smtClean="0">
+                <a:solidFill>
+                  <a:schemeClr val="tx1"/>
+                </a:solidFill>
+              </a:rPr>
+              <a:t>Encoded </a:t>
+            </a:r>
+            <a:r>
+              <a:rPr lang="en-GB" b="0" dirty="0">
+                <a:solidFill>
+                  <a:schemeClr val="tx1"/>
+                </a:solidFill>
+              </a:rPr>
+              <a:t>as </a:t>
+            </a:r>
+            <a:r>
+              <a:rPr lang="en-GB" b="1" dirty="0">
+                <a:solidFill>
+                  <a:schemeClr val="tx1"/>
+                </a:solidFill>
+              </a:rPr>
+              <a:t>position</a:t>
+            </a:r>
+            <a:r>
+              <a:rPr lang="en-GB" b="0" dirty="0">
+                <a:solidFill>
+                  <a:schemeClr val="tx1"/>
+                </a:solidFill>
+              </a:rPr>
+              <a:t> in horizontal </a:t>
+            </a:r>
+            <a:r>
+              <a:rPr lang="en-GB" b="0" dirty="0" smtClean="0">
+                <a:solidFill>
+                  <a:schemeClr val="tx1"/>
+                </a:solidFill>
+              </a:rPr>
+              <a:t>axis</a:t>
+            </a:r>
+            <a:endParaRPr lang="pt-PT" b="0" dirty="0">
+              <a:solidFill>
+                <a:schemeClr val="tx1"/>
+              </a:solidFill>
+            </a:endParaRPr>
           </a:p>
         </p:txBody>
       </p:sp>
     </p:spTree>
     <p:extLst>
       <p:ext uri="{BB962C8B-B14F-4D97-AF65-F5344CB8AC3E}">
-        <p14:creationId xmlns:p14="http://schemas.microsoft.com/office/powerpoint/2010/main" val="4281510844"/>
+        <p14:creationId xmlns:p14="http://schemas.microsoft.com/office/powerpoint/2010/main" val="3513604164"/>
       </p:ext>
     </p:extLst>
   </p:cSld>
@@ -3953,6 +4345,13 @@
   <p:clrMapOvr>
     <a:masterClrMapping/>
   </p:clrMapOvr>
+  <p:timing>
+    <p:tnLst>
+      <p:par>
+        <p:cTn id="1" dur="indefinite" restart="never" nodeType="tmRoot"/>
+      </p:par>
+    </p:tnLst>
+  </p:timing>
 </p:sld>
 </file>
 
@@ -4006,7 +4405,12 @@
             <p:ph idx="1"/>
           </p:nvPr>
         </p:nvSpPr>
-        <p:spPr/>
+        <p:spPr>
+          <a:xfrm>
+            <a:off x="383964" y="1124744"/>
+            <a:ext cx="8229600" cy="1872208"/>
+          </a:xfrm>
+        </p:spPr>
         <p:txBody>
           <a:bodyPr>
             <a:noAutofit/>
@@ -4014,13 +4418,146 @@
           <a:lstStyle/>
           <a:p>
             <a:r>
-              <a:rPr lang="en-US" dirty="0"/>
-              <a:t>Selected Idiom and why it allows answering each question</a:t>
-            </a:r>
-          </a:p>
-          <a:p>
-            <a:pPr lvl="1"/>
+              <a:rPr lang="en-GB" dirty="0" smtClean="0"/>
+              <a:t>Compare </a:t>
+            </a:r>
+            <a:r>
+              <a:rPr lang="en-GB" dirty="0"/>
+              <a:t>the unemployment (%) of different courses (regardless of course conclusion year of the graduates</a:t>
+            </a:r>
+            <a:r>
+              <a:rPr lang="en-GB" dirty="0" smtClean="0"/>
+              <a:t>) - </a:t>
+            </a:r>
+            <a:r>
+              <a:rPr lang="en-GB" dirty="0"/>
+              <a:t>Query-&gt;</a:t>
+            </a:r>
+            <a:r>
+              <a:rPr lang="en-GB" dirty="0" smtClean="0"/>
+              <a:t>Compare</a:t>
+            </a:r>
+            <a:endParaRPr lang="en-US" dirty="0"/>
+          </a:p>
+          <a:p>
+            <a:endParaRPr lang="en-US" sz="2000" b="0" dirty="0" smtClean="0">
+              <a:solidFill>
+                <a:schemeClr val="tx1"/>
+              </a:solidFill>
+            </a:endParaRPr>
+          </a:p>
+          <a:p>
+            <a:endParaRPr lang="en-US" sz="2000" b="0" dirty="0">
+              <a:solidFill>
+                <a:schemeClr val="tx1"/>
+              </a:solidFill>
+            </a:endParaRPr>
+          </a:p>
+        </p:txBody>
+      </p:sp>
+      <p:pic>
+        <p:nvPicPr>
+          <p:cNvPr id="5" name="Imagem 2" descr="C:\ProgrammingWorkspace\OtherWorkspace\VI-Project\III-Checkpoint\LineChart.png"/>
+          <p:cNvPicPr/>
+          <p:nvPr/>
+        </p:nvPicPr>
+        <p:blipFill>
+          <a:blip r:embed="rId3"/>
+          <a:srcRect/>
+          <a:stretch>
+            <a:fillRect/>
+          </a:stretch>
+        </p:blipFill>
+        <p:spPr bwMode="auto">
+          <a:xfrm>
+            <a:off x="395536" y="2852936"/>
+            <a:ext cx="4968552" cy="3143690"/>
+          </a:xfrm>
+          <a:prstGeom prst="rect">
+            <a:avLst/>
+          </a:prstGeom>
+          <a:noFill/>
+          <a:ln w="9525">
+            <a:noFill/>
+            <a:miter lim="800000"/>
+            <a:headEnd/>
+            <a:tailEnd/>
+          </a:ln>
+        </p:spPr>
+      </p:pic>
+      <p:sp>
+        <p:nvSpPr>
+          <p:cNvPr id="6" name="TextBox 5"/>
+          <p:cNvSpPr txBox="1"/>
+          <p:nvPr/>
+        </p:nvSpPr>
+        <p:spPr>
+          <a:xfrm>
+            <a:off x="5299207" y="3573016"/>
+            <a:ext cx="3593273" cy="1631216"/>
+          </a:xfrm>
+          <a:prstGeom prst="rect">
+            <a:avLst/>
+          </a:prstGeom>
+          <a:noFill/>
+        </p:spPr>
+        <p:txBody>
+          <a:bodyPr wrap="square" rtlCol="0">
+            <a:spAutoFit/>
+          </a:bodyPr>
+          <a:lstStyle/>
+          <a:p>
+            <a:r>
+              <a:rPr lang="en-GB" sz="2000" b="1" dirty="0">
+                <a:solidFill>
+                  <a:srgbClr val="336699"/>
+                </a:solidFill>
+              </a:rPr>
+              <a:t>Question 1: </a:t>
+            </a:r>
+            <a:r>
+              <a:rPr lang="en-GB" sz="2000" dirty="0"/>
+              <a:t>Does Computer Science graduates in IST have more unemployment, in 2015, than Computer Science in FCUL? And in </a:t>
+            </a:r>
+            <a:r>
+              <a:rPr lang="en-GB" sz="2000" dirty="0" smtClean="0"/>
+              <a:t>2007?</a:t>
+            </a:r>
             <a:endParaRPr lang="en-US" sz="2000" dirty="0"/>
+          </a:p>
+        </p:txBody>
+      </p:sp>
+      <p:sp>
+        <p:nvSpPr>
+          <p:cNvPr id="7" name="TextBox 6"/>
+          <p:cNvSpPr txBox="1"/>
+          <p:nvPr/>
+        </p:nvSpPr>
+        <p:spPr>
+          <a:xfrm>
+            <a:off x="388409" y="5930116"/>
+            <a:ext cx="4903671" cy="523220"/>
+          </a:xfrm>
+          <a:prstGeom prst="rect">
+            <a:avLst/>
+          </a:prstGeom>
+          <a:noFill/>
+        </p:spPr>
+        <p:txBody>
+          <a:bodyPr wrap="square" rtlCol="0">
+            <a:spAutoFit/>
+          </a:bodyPr>
+          <a:lstStyle/>
+          <a:p>
+            <a:r>
+              <a:rPr lang="en-US" sz="1400" dirty="0"/>
+              <a:t>Due to interaction we can add more courses to the line chart and compare them</a:t>
+            </a:r>
+            <a:r>
+              <a:rPr lang="en-US" sz="1400" dirty="0" smtClean="0"/>
+              <a:t>.</a:t>
+            </a:r>
+            <a:endParaRPr lang="en-US" sz="1400" dirty="0"/>
           </a:p>
         </p:txBody>
       </p:sp>
@@ -4034,6 +4571,13 @@
   <p:clrMapOvr>
     <a:masterClrMapping/>
   </p:clrMapOvr>
+  <p:timing>
+    <p:tnLst>
+      <p:par>
+        <p:cTn id="1" dur="indefinite" restart="never" nodeType="tmRoot"/>
+      </p:par>
+    </p:tnLst>
+  </p:timing>
 </p:sld>
 </file>
 
@@ -4087,7 +4631,12 @@
             <p:ph idx="1"/>
           </p:nvPr>
         </p:nvSpPr>
-        <p:spPr/>
+        <p:spPr>
+          <a:xfrm>
+            <a:off x="457200" y="1124744"/>
+            <a:ext cx="8229600" cy="1711092"/>
+          </a:xfrm>
+        </p:spPr>
         <p:txBody>
           <a:bodyPr>
             <a:noAutofit/>
@@ -4095,9 +4644,197 @@
           <a:lstStyle/>
           <a:p>
             <a:r>
-              <a:rPr lang="en-US" dirty="0"/>
-              <a:t>Selected Idiom and why it allows answering each question</a:t>
-            </a:r>
+              <a:rPr lang="en-GB" dirty="0" smtClean="0"/>
+              <a:t>Present </a:t>
+            </a:r>
+            <a:r>
+              <a:rPr lang="en-GB" dirty="0"/>
+              <a:t>the information about unemployment (%) from a specific course graduates across </a:t>
+            </a:r>
+            <a:r>
+              <a:rPr lang="en-GB" dirty="0" smtClean="0"/>
+              <a:t>time</a:t>
+            </a:r>
+            <a:r>
+              <a:rPr lang="en-GB" dirty="0"/>
+              <a:t> </a:t>
+            </a:r>
+            <a:r>
+              <a:rPr lang="en-GB" dirty="0" smtClean="0"/>
+              <a:t>- </a:t>
+            </a:r>
+            <a:r>
+              <a:rPr lang="en-GB" dirty="0" err="1"/>
+              <a:t>Analyze</a:t>
+            </a:r>
+            <a:r>
+              <a:rPr lang="en-GB" dirty="0"/>
+              <a:t>-&gt;Consume-&gt;Present</a:t>
+            </a:r>
+            <a:endParaRPr lang="en-US" dirty="0"/>
+          </a:p>
+        </p:txBody>
+      </p:sp>
+      <p:pic>
+        <p:nvPicPr>
+          <p:cNvPr id="4" name="Imagem 1" descr="C:\ProgrammingWorkspace\OtherWorkspace\VI-Project\III-Checkpoint\LineChartOneCourse.png"/>
+          <p:cNvPicPr/>
+          <p:nvPr/>
+        </p:nvPicPr>
+        <p:blipFill>
+          <a:blip r:embed="rId3"/>
+          <a:srcRect/>
+          <a:stretch>
+            <a:fillRect/>
+          </a:stretch>
+        </p:blipFill>
+        <p:spPr bwMode="auto">
+          <a:xfrm>
+            <a:off x="395536" y="2852935"/>
+            <a:ext cx="4949264" cy="3252563"/>
+          </a:xfrm>
+          <a:prstGeom prst="rect">
+            <a:avLst/>
+          </a:prstGeom>
+          <a:noFill/>
+          <a:ln w="9525">
+            <a:noFill/>
+            <a:miter lim="800000"/>
+            <a:headEnd/>
+            <a:tailEnd/>
+          </a:ln>
+        </p:spPr>
+      </p:pic>
+      <p:sp>
+        <p:nvSpPr>
+          <p:cNvPr id="5" name="TextBox 4"/>
+          <p:cNvSpPr txBox="1"/>
+          <p:nvPr/>
+        </p:nvSpPr>
+        <p:spPr>
+          <a:xfrm>
+            <a:off x="5299207" y="2852936"/>
+            <a:ext cx="3593273" cy="1938992"/>
+          </a:xfrm>
+          <a:prstGeom prst="rect">
+            <a:avLst/>
+          </a:prstGeom>
+          <a:noFill/>
+        </p:spPr>
+        <p:txBody>
+          <a:bodyPr wrap="square" rtlCol="0">
+            <a:spAutoFit/>
+          </a:bodyPr>
+          <a:lstStyle/>
+          <a:p>
+            <a:r>
+              <a:rPr lang="en-GB" sz="2000" b="1" dirty="0">
+                <a:solidFill>
+                  <a:srgbClr val="336699"/>
+                </a:solidFill>
+              </a:rPr>
+              <a:t>Question </a:t>
+            </a:r>
+            <a:r>
+              <a:rPr lang="en-GB" sz="2000" b="1" dirty="0" smtClean="0">
+                <a:solidFill>
+                  <a:srgbClr val="336699"/>
+                </a:solidFill>
+              </a:rPr>
+              <a:t>2: </a:t>
+            </a:r>
+            <a:r>
+              <a:rPr lang="en-GB" sz="2000" dirty="0"/>
+              <a:t>Is Computer Science in IST having less unemployed graduates in last year’s? Is Computer Science in IST having less unemployed graduates in last year’s</a:t>
+            </a:r>
+            <a:r>
+              <a:rPr lang="en-GB" sz="2000" dirty="0" smtClean="0"/>
+              <a:t>?</a:t>
+            </a:r>
+            <a:endParaRPr lang="en-US" sz="2000" dirty="0"/>
+          </a:p>
+        </p:txBody>
+      </p:sp>
+      <p:sp>
+        <p:nvSpPr>
+          <p:cNvPr id="6" name="TextBox 5"/>
+          <p:cNvSpPr txBox="1"/>
+          <p:nvPr/>
+        </p:nvSpPr>
+        <p:spPr>
+          <a:xfrm>
+            <a:off x="5307301" y="4810481"/>
+            <a:ext cx="3441163" cy="1323439"/>
+          </a:xfrm>
+          <a:prstGeom prst="rect">
+            <a:avLst/>
+          </a:prstGeom>
+          <a:noFill/>
+        </p:spPr>
+        <p:txBody>
+          <a:bodyPr wrap="square" rtlCol="0">
+            <a:spAutoFit/>
+          </a:bodyPr>
+          <a:lstStyle/>
+          <a:p>
+            <a:r>
+              <a:rPr lang="en-GB" sz="2000" b="1" dirty="0">
+                <a:solidFill>
+                  <a:srgbClr val="336699"/>
+                </a:solidFill>
+              </a:rPr>
+              <a:t>Question </a:t>
+            </a:r>
+            <a:r>
+              <a:rPr lang="en-GB" sz="2000" b="1" dirty="0" smtClean="0">
+                <a:solidFill>
+                  <a:srgbClr val="336699"/>
+                </a:solidFill>
+              </a:rPr>
+              <a:t>3: </a:t>
+            </a:r>
+            <a:r>
+              <a:rPr lang="en-GB" sz="2000" dirty="0" smtClean="0"/>
+              <a:t>What </a:t>
+            </a:r>
+            <a:r>
+              <a:rPr lang="en-GB" sz="2000" dirty="0"/>
+              <a:t>was the year which had less unemployed people from Computer Science in IST</a:t>
+            </a:r>
+            <a:r>
+              <a:rPr lang="en-GB" sz="2000" dirty="0" smtClean="0"/>
+              <a:t>?</a:t>
+            </a:r>
+            <a:endParaRPr lang="en-US" sz="2000" dirty="0"/>
+          </a:p>
+        </p:txBody>
+      </p:sp>
+      <p:sp>
+        <p:nvSpPr>
+          <p:cNvPr id="7" name="Rectangle 6"/>
+          <p:cNvSpPr/>
+          <p:nvPr/>
+        </p:nvSpPr>
+        <p:spPr>
+          <a:xfrm>
+            <a:off x="395536" y="6001543"/>
+            <a:ext cx="4831663" cy="307777"/>
+          </a:xfrm>
+          <a:prstGeom prst="rect">
+            <a:avLst/>
+          </a:prstGeom>
+        </p:spPr>
+        <p:txBody>
+          <a:bodyPr wrap="square">
+            <a:spAutoFit/>
+          </a:bodyPr>
+          <a:lstStyle/>
+          <a:p>
+            <a:r>
+              <a:rPr lang="en-US" sz="1400" dirty="0"/>
+              <a:t>Line chart presenting unemployment of one course</a:t>
+            </a:r>
+            <a:endParaRPr lang="pt-PT" sz="1400" dirty="0"/>
           </a:p>
         </p:txBody>
       </p:sp>
@@ -4111,6 +4848,327 @@
   <p:clrMapOvr>
     <a:masterClrMapping/>
   </p:clrMapOvr>
+  <p:timing>
+    <p:tnLst>
+      <p:par>
+        <p:cTn id="1" dur="indefinite" restart="never" nodeType="tmRoot"/>
+      </p:par>
+    </p:tnLst>
+  </p:timing>
+</p:sld>
+</file>
+
+<file path=ppt/slides/slide8.xml><?xml version="1.0" encoding="utf-8"?>
+<p:sld xmlns:a="http://schemas.openxmlformats.org/drawingml/2006/main" xmlns:r="http://schemas.openxmlformats.org/officeDocument/2006/relationships" xmlns:p="http://schemas.openxmlformats.org/presentationml/2006/main">
+  <p:cSld>
+    <p:spTree>
+      <p:nvGrpSpPr>
+        <p:cNvPr id="1" name=""/>
+        <p:cNvGrpSpPr/>
+        <p:nvPr/>
+      </p:nvGrpSpPr>
+      <p:grpSpPr>
+        <a:xfrm>
+          <a:off x="0" y="0"/>
+          <a:ext cx="0" cy="0"/>
+          <a:chOff x="0" y="0"/>
+          <a:chExt cx="0" cy="0"/>
+        </a:xfrm>
+      </p:grpSpPr>
+      <p:sp>
+        <p:nvSpPr>
+          <p:cNvPr id="2" name="Title 1"/>
+          <p:cNvSpPr>
+            <a:spLocks noGrp="1"/>
+          </p:cNvSpPr>
+          <p:nvPr>
+            <p:ph type="title"/>
+          </p:nvPr>
+        </p:nvSpPr>
+        <p:spPr/>
+        <p:txBody>
+          <a:bodyPr/>
+          <a:lstStyle/>
+          <a:p>
+            <a:r>
+              <a:rPr lang="en-US" dirty="0"/>
+              <a:t>Task </a:t>
+            </a:r>
+            <a:r>
+              <a:rPr lang="en-US" dirty="0" smtClean="0"/>
+              <a:t>1 &amp; 2</a:t>
+            </a:r>
+            <a:endParaRPr lang="pt-PT" dirty="0"/>
+          </a:p>
+        </p:txBody>
+      </p:sp>
+      <p:pic>
+        <p:nvPicPr>
+          <p:cNvPr id="8" name="Imagem 3" descr="C:\ProgrammingWorkspace\OtherWorkspace\VI-Project\III-Checkpoint\LineChartCourseSelected.png"/>
+          <p:cNvPicPr/>
+          <p:nvPr/>
+        </p:nvPicPr>
+        <p:blipFill>
+          <a:blip r:embed="rId3"/>
+          <a:srcRect/>
+          <a:stretch>
+            <a:fillRect/>
+          </a:stretch>
+        </p:blipFill>
+        <p:spPr bwMode="auto">
+          <a:xfrm>
+            <a:off x="1619672" y="1412776"/>
+            <a:ext cx="5942421" cy="3744416"/>
+          </a:xfrm>
+          <a:prstGeom prst="rect">
+            <a:avLst/>
+          </a:prstGeom>
+          <a:noFill/>
+          <a:ln w="9525">
+            <a:noFill/>
+            <a:miter lim="800000"/>
+            <a:headEnd/>
+            <a:tailEnd/>
+          </a:ln>
+        </p:spPr>
+      </p:pic>
+      <p:sp>
+        <p:nvSpPr>
+          <p:cNvPr id="10" name="TextBox 9"/>
+          <p:cNvSpPr txBox="1"/>
+          <p:nvPr/>
+        </p:nvSpPr>
+        <p:spPr>
+          <a:xfrm>
+            <a:off x="938738" y="5313402"/>
+            <a:ext cx="7304288" cy="707886"/>
+          </a:xfrm>
+          <a:prstGeom prst="rect">
+            <a:avLst/>
+          </a:prstGeom>
+          <a:noFill/>
+        </p:spPr>
+        <p:txBody>
+          <a:bodyPr wrap="square" rtlCol="0">
+            <a:spAutoFit/>
+          </a:bodyPr>
+          <a:lstStyle/>
+          <a:p>
+            <a:r>
+              <a:rPr lang="en-US" sz="2000" dirty="0"/>
+              <a:t>It’s possible to select a course line and highlight the course in the other views ex: Highlight the course dot in the next presented idiom</a:t>
+            </a:r>
+            <a:endParaRPr lang="pt-PT" sz="2000" dirty="0"/>
+          </a:p>
+        </p:txBody>
+      </p:sp>
+    </p:spTree>
+    <p:extLst>
+      <p:ext uri="{BB962C8B-B14F-4D97-AF65-F5344CB8AC3E}">
+        <p14:creationId xmlns:p14="http://schemas.microsoft.com/office/powerpoint/2010/main" val="2752386111"/>
+      </p:ext>
+    </p:extLst>
+  </p:cSld>
+  <p:clrMapOvr>
+    <a:masterClrMapping/>
+  </p:clrMapOvr>
+  <p:timing>
+    <p:tnLst>
+      <p:par>
+        <p:cTn id="1" dur="indefinite" restart="never" nodeType="tmRoot"/>
+      </p:par>
+    </p:tnLst>
+  </p:timing>
+</p:sld>
+</file>
+
+<file path=ppt/slides/slide9.xml><?xml version="1.0" encoding="utf-8"?>
+<p:sld xmlns:a="http://schemas.openxmlformats.org/drawingml/2006/main" xmlns:r="http://schemas.openxmlformats.org/officeDocument/2006/relationships" xmlns:p="http://schemas.openxmlformats.org/presentationml/2006/main">
+  <p:cSld>
+    <p:spTree>
+      <p:nvGrpSpPr>
+        <p:cNvPr id="1" name=""/>
+        <p:cNvGrpSpPr/>
+        <p:nvPr/>
+      </p:nvGrpSpPr>
+      <p:grpSpPr>
+        <a:xfrm>
+          <a:off x="0" y="0"/>
+          <a:ext cx="0" cy="0"/>
+          <a:chOff x="0" y="0"/>
+          <a:chExt cx="0" cy="0"/>
+        </a:xfrm>
+      </p:grpSpPr>
+      <p:sp>
+        <p:nvSpPr>
+          <p:cNvPr id="2" name="Title 1"/>
+          <p:cNvSpPr>
+            <a:spLocks noGrp="1"/>
+          </p:cNvSpPr>
+          <p:nvPr>
+            <p:ph type="title"/>
+          </p:nvPr>
+        </p:nvSpPr>
+        <p:spPr/>
+        <p:txBody>
+          <a:bodyPr/>
+          <a:lstStyle/>
+          <a:p>
+            <a:r>
+              <a:rPr lang="en-US" dirty="0"/>
+              <a:t>Task </a:t>
+            </a:r>
+            <a:r>
+              <a:rPr lang="en-US" dirty="0" smtClean="0"/>
+              <a:t>4</a:t>
+            </a:r>
+            <a:endParaRPr lang="pt-PT" dirty="0"/>
+          </a:p>
+        </p:txBody>
+      </p:sp>
+      <p:sp>
+        <p:nvSpPr>
+          <p:cNvPr id="3" name="Content Placeholder 2"/>
+          <p:cNvSpPr>
+            <a:spLocks noGrp="1"/>
+          </p:cNvSpPr>
+          <p:nvPr>
+            <p:ph idx="1"/>
+          </p:nvPr>
+        </p:nvSpPr>
+        <p:spPr>
+          <a:xfrm>
+            <a:off x="383964" y="1124744"/>
+            <a:ext cx="8229600" cy="1872208"/>
+          </a:xfrm>
+        </p:spPr>
+        <p:txBody>
+          <a:bodyPr>
+            <a:noAutofit/>
+          </a:bodyPr>
+          <a:lstStyle/>
+          <a:p>
+            <a:r>
+              <a:rPr lang="en-GB" dirty="0" smtClean="0"/>
+              <a:t>Relation </a:t>
+            </a:r>
+            <a:r>
+              <a:rPr lang="en-GB" dirty="0"/>
+              <a:t>between minimum entry grade and </a:t>
+            </a:r>
+            <a:r>
+              <a:rPr lang="en-GB" dirty="0"/>
+              <a:t>unemployment </a:t>
+            </a:r>
+            <a:r>
+              <a:rPr lang="en-GB" dirty="0"/>
+              <a:t>(%)</a:t>
+            </a:r>
+            <a:r>
+              <a:rPr lang="en-US" dirty="0"/>
+              <a:t> -</a:t>
+            </a:r>
+            <a:r>
+              <a:rPr lang="en-GB" dirty="0"/>
+              <a:t> Consume-&gt;Present </a:t>
+            </a:r>
+            <a:endParaRPr lang="en-US" dirty="0"/>
+          </a:p>
+        </p:txBody>
+      </p:sp>
+      <p:sp>
+        <p:nvSpPr>
+          <p:cNvPr id="6" name="TextBox 5"/>
+          <p:cNvSpPr txBox="1"/>
+          <p:nvPr/>
+        </p:nvSpPr>
+        <p:spPr>
+          <a:xfrm>
+            <a:off x="5299207" y="3573016"/>
+            <a:ext cx="3593273" cy="1323439"/>
+          </a:xfrm>
+          <a:prstGeom prst="rect">
+            <a:avLst/>
+          </a:prstGeom>
+          <a:noFill/>
+        </p:spPr>
+        <p:txBody>
+          <a:bodyPr wrap="square" rtlCol="0">
+            <a:spAutoFit/>
+          </a:bodyPr>
+          <a:lstStyle/>
+          <a:p>
+            <a:r>
+              <a:rPr lang="en-GB" sz="2000" b="1" dirty="0">
+                <a:solidFill>
+                  <a:srgbClr val="336699"/>
+                </a:solidFill>
+              </a:rPr>
+              <a:t>Question </a:t>
+            </a:r>
+            <a:r>
+              <a:rPr lang="en-GB" sz="2000" b="1" dirty="0" smtClean="0">
+                <a:solidFill>
+                  <a:srgbClr val="336699"/>
+                </a:solidFill>
+              </a:rPr>
+              <a:t>4: </a:t>
+            </a:r>
+            <a:r>
+              <a:rPr lang="en-GB" sz="2000" dirty="0"/>
+              <a:t>Where the unemployment will be higher? In a course with 14 minimum entry grade or one with 17?</a:t>
+            </a:r>
+            <a:endParaRPr lang="en-US" sz="2000" dirty="0"/>
+          </a:p>
+        </p:txBody>
+      </p:sp>
+      <p:pic>
+        <p:nvPicPr>
+          <p:cNvPr id="8" name="Imagem 4" descr="C:\ProgrammingWorkspace\OtherWorkspace\VI-Project\III-Checkpoint\Scatterplot.png"/>
+          <p:cNvPicPr/>
+          <p:nvPr/>
+        </p:nvPicPr>
+        <p:blipFill>
+          <a:blip r:embed="rId3"/>
+          <a:srcRect/>
+          <a:stretch>
+            <a:fillRect/>
+          </a:stretch>
+        </p:blipFill>
+        <p:spPr bwMode="auto">
+          <a:xfrm>
+            <a:off x="355640" y="2639902"/>
+            <a:ext cx="4943567" cy="3021346"/>
+          </a:xfrm>
+          <a:prstGeom prst="rect">
+            <a:avLst/>
+          </a:prstGeom>
+          <a:noFill/>
+          <a:ln w="9525">
+            <a:noFill/>
+            <a:miter lim="800000"/>
+            <a:headEnd/>
+            <a:tailEnd/>
+          </a:ln>
+        </p:spPr>
+      </p:pic>
+    </p:spTree>
+    <p:extLst>
+      <p:ext uri="{BB962C8B-B14F-4D97-AF65-F5344CB8AC3E}">
+        <p14:creationId xmlns:p14="http://schemas.microsoft.com/office/powerpoint/2010/main" val="3627288460"/>
+      </p:ext>
+    </p:extLst>
+  </p:cSld>
+  <p:clrMapOvr>
+    <a:masterClrMapping/>
+  </p:clrMapOvr>
+  <p:timing>
+    <p:tnLst>
+      <p:par>
+        <p:cTn id="1" dur="indefinite" restart="never" nodeType="tmRoot"/>
+      </p:par>
+    </p:tnLst>
+  </p:timing>
 </p:sld>
 </file>
 

--- a/III-Checkpoint/III-Checkpoint Presentation.pptx
+++ b/III-Checkpoint/III-Checkpoint Presentation.pptx
@@ -5,10 +5,10 @@
     <p:sldMasterId id="2147483648" r:id="rId1"/>
   </p:sldMasterIdLst>
   <p:notesMasterIdLst>
-    <p:notesMasterId r:id="rId11"/>
+    <p:notesMasterId r:id="rId13"/>
   </p:notesMasterIdLst>
   <p:handoutMasterIdLst>
-    <p:handoutMasterId r:id="rId12"/>
+    <p:handoutMasterId r:id="rId14"/>
   </p:handoutMasterIdLst>
   <p:sldIdLst>
     <p:sldId id="256" r:id="rId2"/>
@@ -19,7 +19,9 @@
     <p:sldId id="1098" r:id="rId7"/>
     <p:sldId id="1110" r:id="rId8"/>
     <p:sldId id="1112" r:id="rId9"/>
-    <p:sldId id="1113" r:id="rId10"/>
+    <p:sldId id="1114" r:id="rId10"/>
+    <p:sldId id="1113" r:id="rId11"/>
+    <p:sldId id="1115" r:id="rId12"/>
   </p:sldIdLst>
   <p:sldSz cx="9144000" cy="6858000" type="screen4x3"/>
   <p:notesSz cx="6858000" cy="9144000"/>
@@ -1232,6 +1234,176 @@
               <a:rPr lang="en-US" smtClean="0"/>
               <a:pPr/>
               <a:t>9</a:t>
+            </a:fld>
+            <a:endParaRPr lang="en-US"/>
+          </a:p>
+        </p:txBody>
+      </p:sp>
+    </p:spTree>
+    <p:extLst>
+      <p:ext uri="{BB962C8B-B14F-4D97-AF65-F5344CB8AC3E}">
+        <p14:creationId xmlns:p14="http://schemas.microsoft.com/office/powerpoint/2010/main" val="1355792998"/>
+      </p:ext>
+    </p:extLst>
+  </p:cSld>
+  <p:clrMapOvr>
+    <a:masterClrMapping/>
+  </p:clrMapOvr>
+</p:notes>
+</file>
+
+<file path=ppt/notesSlides/notesSlide8.xml><?xml version="1.0" encoding="utf-8"?>
+<p:notes xmlns:a="http://schemas.openxmlformats.org/drawingml/2006/main" xmlns:r="http://schemas.openxmlformats.org/officeDocument/2006/relationships" xmlns:p="http://schemas.openxmlformats.org/presentationml/2006/main">
+  <p:cSld>
+    <p:spTree>
+      <p:nvGrpSpPr>
+        <p:cNvPr id="1" name=""/>
+        <p:cNvGrpSpPr/>
+        <p:nvPr/>
+      </p:nvGrpSpPr>
+      <p:grpSpPr>
+        <a:xfrm>
+          <a:off x="0" y="0"/>
+          <a:ext cx="0" cy="0"/>
+          <a:chOff x="0" y="0"/>
+          <a:chExt cx="0" cy="0"/>
+        </a:xfrm>
+      </p:grpSpPr>
+      <p:sp>
+        <p:nvSpPr>
+          <p:cNvPr id="2" name="Slide Image Placeholder 1"/>
+          <p:cNvSpPr>
+            <a:spLocks noGrp="1" noRot="1" noChangeAspect="1"/>
+          </p:cNvSpPr>
+          <p:nvPr>
+            <p:ph type="sldImg"/>
+          </p:nvPr>
+        </p:nvSpPr>
+        <p:spPr/>
+      </p:sp>
+      <p:sp>
+        <p:nvSpPr>
+          <p:cNvPr id="3" name="Notes Placeholder 2"/>
+          <p:cNvSpPr>
+            <a:spLocks noGrp="1"/>
+          </p:cNvSpPr>
+          <p:nvPr>
+            <p:ph type="body" idx="1"/>
+          </p:nvPr>
+        </p:nvSpPr>
+        <p:spPr/>
+        <p:txBody>
+          <a:bodyPr/>
+          <a:lstStyle/>
+          <a:p>
+            <a:endParaRPr lang="en-US" baseline="0" dirty="0"/>
+          </a:p>
+        </p:txBody>
+      </p:sp>
+      <p:sp>
+        <p:nvSpPr>
+          <p:cNvPr id="4" name="Slide Number Placeholder 3"/>
+          <p:cNvSpPr>
+            <a:spLocks noGrp="1"/>
+          </p:cNvSpPr>
+          <p:nvPr>
+            <p:ph type="sldNum" sz="quarter" idx="10"/>
+          </p:nvPr>
+        </p:nvSpPr>
+        <p:spPr/>
+        <p:txBody>
+          <a:bodyPr/>
+          <a:lstStyle/>
+          <a:p>
+            <a:fld id="{F535F173-C1DD-4975-94BF-5B9ED67F7674}" type="slidenum">
+              <a:rPr lang="en-US" smtClean="0"/>
+              <a:pPr/>
+              <a:t>10</a:t>
+            </a:fld>
+            <a:endParaRPr lang="en-US"/>
+          </a:p>
+        </p:txBody>
+      </p:sp>
+    </p:spTree>
+    <p:extLst>
+      <p:ext uri="{BB962C8B-B14F-4D97-AF65-F5344CB8AC3E}">
+        <p14:creationId xmlns:p14="http://schemas.microsoft.com/office/powerpoint/2010/main" val="1355792998"/>
+      </p:ext>
+    </p:extLst>
+  </p:cSld>
+  <p:clrMapOvr>
+    <a:masterClrMapping/>
+  </p:clrMapOvr>
+</p:notes>
+</file>
+
+<file path=ppt/notesSlides/notesSlide9.xml><?xml version="1.0" encoding="utf-8"?>
+<p:notes xmlns:a="http://schemas.openxmlformats.org/drawingml/2006/main" xmlns:r="http://schemas.openxmlformats.org/officeDocument/2006/relationships" xmlns:p="http://schemas.openxmlformats.org/presentationml/2006/main">
+  <p:cSld>
+    <p:spTree>
+      <p:nvGrpSpPr>
+        <p:cNvPr id="1" name=""/>
+        <p:cNvGrpSpPr/>
+        <p:nvPr/>
+      </p:nvGrpSpPr>
+      <p:grpSpPr>
+        <a:xfrm>
+          <a:off x="0" y="0"/>
+          <a:ext cx="0" cy="0"/>
+          <a:chOff x="0" y="0"/>
+          <a:chExt cx="0" cy="0"/>
+        </a:xfrm>
+      </p:grpSpPr>
+      <p:sp>
+        <p:nvSpPr>
+          <p:cNvPr id="2" name="Slide Image Placeholder 1"/>
+          <p:cNvSpPr>
+            <a:spLocks noGrp="1" noRot="1" noChangeAspect="1"/>
+          </p:cNvSpPr>
+          <p:nvPr>
+            <p:ph type="sldImg"/>
+          </p:nvPr>
+        </p:nvSpPr>
+        <p:spPr/>
+      </p:sp>
+      <p:sp>
+        <p:nvSpPr>
+          <p:cNvPr id="3" name="Notes Placeholder 2"/>
+          <p:cNvSpPr>
+            <a:spLocks noGrp="1"/>
+          </p:cNvSpPr>
+          <p:nvPr>
+            <p:ph type="body" idx="1"/>
+          </p:nvPr>
+        </p:nvSpPr>
+        <p:spPr/>
+        <p:txBody>
+          <a:bodyPr/>
+          <a:lstStyle/>
+          <a:p>
+            <a:endParaRPr lang="en-US" baseline="0" dirty="0"/>
+          </a:p>
+        </p:txBody>
+      </p:sp>
+      <p:sp>
+        <p:nvSpPr>
+          <p:cNvPr id="4" name="Slide Number Placeholder 3"/>
+          <p:cNvSpPr>
+            <a:spLocks noGrp="1"/>
+          </p:cNvSpPr>
+          <p:nvPr>
+            <p:ph type="sldNum" sz="quarter" idx="10"/>
+          </p:nvPr>
+        </p:nvSpPr>
+        <p:spPr/>
+        <p:txBody>
+          <a:bodyPr/>
+          <a:lstStyle/>
+          <a:p>
+            <a:fld id="{F535F173-C1DD-4975-94BF-5B9ED67F7674}" type="slidenum">
+              <a:rPr lang="en-US" smtClean="0"/>
+              <a:pPr/>
+              <a:t>11</a:t>
             </a:fld>
             <a:endParaRPr lang="en-US"/>
           </a:p>
@@ -3733,6 +3905,386 @@
 </p:sld>
 </file>
 
+<file path=ppt/slides/slide10.xml><?xml version="1.0" encoding="utf-8"?>
+<p:sld xmlns:a="http://schemas.openxmlformats.org/drawingml/2006/main" xmlns:r="http://schemas.openxmlformats.org/officeDocument/2006/relationships" xmlns:p="http://schemas.openxmlformats.org/presentationml/2006/main">
+  <p:cSld>
+    <p:spTree>
+      <p:nvGrpSpPr>
+        <p:cNvPr id="1" name=""/>
+        <p:cNvGrpSpPr/>
+        <p:nvPr/>
+      </p:nvGrpSpPr>
+      <p:grpSpPr>
+        <a:xfrm>
+          <a:off x="0" y="0"/>
+          <a:ext cx="0" cy="0"/>
+          <a:chOff x="0" y="0"/>
+          <a:chExt cx="0" cy="0"/>
+        </a:xfrm>
+      </p:grpSpPr>
+      <p:sp>
+        <p:nvSpPr>
+          <p:cNvPr id="2" name="Title 1"/>
+          <p:cNvSpPr>
+            <a:spLocks noGrp="1"/>
+          </p:cNvSpPr>
+          <p:nvPr>
+            <p:ph type="title"/>
+          </p:nvPr>
+        </p:nvSpPr>
+        <p:spPr/>
+        <p:txBody>
+          <a:bodyPr/>
+          <a:lstStyle/>
+          <a:p>
+            <a:r>
+              <a:rPr lang="en-US" dirty="0"/>
+              <a:t>Task </a:t>
+            </a:r>
+            <a:r>
+              <a:rPr lang="en-US" dirty="0" smtClean="0"/>
+              <a:t>4</a:t>
+            </a:r>
+            <a:endParaRPr lang="pt-PT" dirty="0"/>
+          </a:p>
+        </p:txBody>
+      </p:sp>
+      <p:sp>
+        <p:nvSpPr>
+          <p:cNvPr id="3" name="Content Placeholder 2"/>
+          <p:cNvSpPr>
+            <a:spLocks noGrp="1"/>
+          </p:cNvSpPr>
+          <p:nvPr>
+            <p:ph idx="1"/>
+          </p:nvPr>
+        </p:nvSpPr>
+        <p:spPr>
+          <a:xfrm>
+            <a:off x="383964" y="1124744"/>
+            <a:ext cx="8229600" cy="1872208"/>
+          </a:xfrm>
+        </p:spPr>
+        <p:txBody>
+          <a:bodyPr>
+            <a:noAutofit/>
+          </a:bodyPr>
+          <a:lstStyle/>
+          <a:p>
+            <a:r>
+              <a:rPr lang="en-GB" dirty="0" smtClean="0"/>
+              <a:t>Relation </a:t>
+            </a:r>
+            <a:r>
+              <a:rPr lang="en-GB" dirty="0"/>
+              <a:t>between minimum entry grade and unemployment (%)</a:t>
+            </a:r>
+            <a:r>
+              <a:rPr lang="en-US" dirty="0"/>
+              <a:t> -</a:t>
+            </a:r>
+            <a:r>
+              <a:rPr lang="en-GB" dirty="0"/>
+              <a:t> Consume-&gt;Present </a:t>
+            </a:r>
+            <a:endParaRPr lang="en-US" dirty="0"/>
+          </a:p>
+        </p:txBody>
+      </p:sp>
+      <p:sp>
+        <p:nvSpPr>
+          <p:cNvPr id="6" name="TextBox 5"/>
+          <p:cNvSpPr txBox="1"/>
+          <p:nvPr/>
+        </p:nvSpPr>
+        <p:spPr>
+          <a:xfrm>
+            <a:off x="5299207" y="3573016"/>
+            <a:ext cx="3593273" cy="1323439"/>
+          </a:xfrm>
+          <a:prstGeom prst="rect">
+            <a:avLst/>
+          </a:prstGeom>
+          <a:noFill/>
+        </p:spPr>
+        <p:txBody>
+          <a:bodyPr wrap="square" rtlCol="0">
+            <a:spAutoFit/>
+          </a:bodyPr>
+          <a:lstStyle/>
+          <a:p>
+            <a:r>
+              <a:rPr lang="en-GB" sz="2000" b="1" dirty="0">
+                <a:solidFill>
+                  <a:srgbClr val="336699"/>
+                </a:solidFill>
+              </a:rPr>
+              <a:t>Question </a:t>
+            </a:r>
+            <a:r>
+              <a:rPr lang="en-GB" sz="2000" b="1" dirty="0" smtClean="0">
+                <a:solidFill>
+                  <a:srgbClr val="336699"/>
+                </a:solidFill>
+              </a:rPr>
+              <a:t>4: </a:t>
+            </a:r>
+            <a:r>
+              <a:rPr lang="en-GB" sz="2000" dirty="0"/>
+              <a:t>Where the unemployment will be higher? In a course with 14 minimum entry grade or one with 17?</a:t>
+            </a:r>
+            <a:endParaRPr lang="en-US" sz="2000" dirty="0"/>
+          </a:p>
+        </p:txBody>
+      </p:sp>
+      <p:pic>
+        <p:nvPicPr>
+          <p:cNvPr id="8" name="Imagem 4" descr="C:\ProgrammingWorkspace\OtherWorkspace\VI-Project\III-Checkpoint\Scatterplot.png"/>
+          <p:cNvPicPr/>
+          <p:nvPr/>
+        </p:nvPicPr>
+        <p:blipFill>
+          <a:blip r:embed="rId3"/>
+          <a:srcRect/>
+          <a:stretch>
+            <a:fillRect/>
+          </a:stretch>
+        </p:blipFill>
+        <p:spPr bwMode="auto">
+          <a:xfrm>
+            <a:off x="355640" y="2639902"/>
+            <a:ext cx="4943567" cy="3021346"/>
+          </a:xfrm>
+          <a:prstGeom prst="rect">
+            <a:avLst/>
+          </a:prstGeom>
+          <a:noFill/>
+          <a:ln w="9525">
+            <a:noFill/>
+            <a:miter lim="800000"/>
+            <a:headEnd/>
+            <a:tailEnd/>
+          </a:ln>
+        </p:spPr>
+      </p:pic>
+    </p:spTree>
+    <p:extLst>
+      <p:ext uri="{BB962C8B-B14F-4D97-AF65-F5344CB8AC3E}">
+        <p14:creationId xmlns:p14="http://schemas.microsoft.com/office/powerpoint/2010/main" val="3627288460"/>
+      </p:ext>
+    </p:extLst>
+  </p:cSld>
+  <p:clrMapOvr>
+    <a:masterClrMapping/>
+  </p:clrMapOvr>
+  <p:timing>
+    <p:tnLst>
+      <p:par>
+        <p:cTn id="1" dur="indefinite" restart="never" nodeType="tmRoot"/>
+      </p:par>
+    </p:tnLst>
+  </p:timing>
+</p:sld>
+</file>
+
+<file path=ppt/slides/slide11.xml><?xml version="1.0" encoding="utf-8"?>
+<p:sld xmlns:a="http://schemas.openxmlformats.org/drawingml/2006/main" xmlns:r="http://schemas.openxmlformats.org/officeDocument/2006/relationships" xmlns:p="http://schemas.openxmlformats.org/presentationml/2006/main">
+  <p:cSld>
+    <p:spTree>
+      <p:nvGrpSpPr>
+        <p:cNvPr id="1" name=""/>
+        <p:cNvGrpSpPr/>
+        <p:nvPr/>
+      </p:nvGrpSpPr>
+      <p:grpSpPr>
+        <a:xfrm>
+          <a:off x="0" y="0"/>
+          <a:ext cx="0" cy="0"/>
+          <a:chOff x="0" y="0"/>
+          <a:chExt cx="0" cy="0"/>
+        </a:xfrm>
+      </p:grpSpPr>
+      <p:sp>
+        <p:nvSpPr>
+          <p:cNvPr id="2" name="Title 1"/>
+          <p:cNvSpPr>
+            <a:spLocks noGrp="1"/>
+          </p:cNvSpPr>
+          <p:nvPr>
+            <p:ph type="title"/>
+          </p:nvPr>
+        </p:nvSpPr>
+        <p:spPr/>
+        <p:txBody>
+          <a:bodyPr/>
+          <a:lstStyle/>
+          <a:p>
+            <a:r>
+              <a:rPr lang="en-US" dirty="0"/>
+              <a:t>Task </a:t>
+            </a:r>
+            <a:r>
+              <a:rPr lang="en-US" dirty="0" smtClean="0"/>
+              <a:t>4</a:t>
+            </a:r>
+            <a:endParaRPr lang="pt-PT" dirty="0"/>
+          </a:p>
+        </p:txBody>
+      </p:sp>
+      <p:pic>
+        <p:nvPicPr>
+          <p:cNvPr id="7" name="Imagem 5" descr="C:\ProgrammingWorkspace\OtherWorkspace\VI-Project\III-Checkpoint\ScatterplotAreaHighlight.png"/>
+          <p:cNvPicPr/>
+          <p:nvPr/>
+        </p:nvPicPr>
+        <p:blipFill>
+          <a:blip r:embed="rId3"/>
+          <a:srcRect/>
+          <a:stretch>
+            <a:fillRect/>
+          </a:stretch>
+        </p:blipFill>
+        <p:spPr bwMode="auto">
+          <a:xfrm>
+            <a:off x="539552" y="3973463"/>
+            <a:ext cx="4764654" cy="2643097"/>
+          </a:xfrm>
+          <a:prstGeom prst="rect">
+            <a:avLst/>
+          </a:prstGeom>
+          <a:noFill/>
+          <a:ln w="9525">
+            <a:noFill/>
+            <a:miter lim="800000"/>
+            <a:headEnd/>
+            <a:tailEnd/>
+          </a:ln>
+        </p:spPr>
+      </p:pic>
+      <p:pic>
+        <p:nvPicPr>
+          <p:cNvPr id="9" name="Imagem 6" descr="C:\ProgrammingWorkspace\OtherWorkspace\VI-Project\III-Checkpoint\ScatterplotCourseHighlight.png"/>
+          <p:cNvPicPr/>
+          <p:nvPr/>
+        </p:nvPicPr>
+        <p:blipFill>
+          <a:blip r:embed="rId4"/>
+          <a:srcRect/>
+          <a:stretch>
+            <a:fillRect/>
+          </a:stretch>
+        </p:blipFill>
+        <p:spPr bwMode="auto">
+          <a:xfrm>
+            <a:off x="539552" y="1196752"/>
+            <a:ext cx="4764654" cy="2776711"/>
+          </a:xfrm>
+          <a:prstGeom prst="rect">
+            <a:avLst/>
+          </a:prstGeom>
+          <a:noFill/>
+          <a:ln w="9525">
+            <a:noFill/>
+            <a:miter lim="800000"/>
+            <a:headEnd/>
+            <a:tailEnd/>
+          </a:ln>
+        </p:spPr>
+      </p:pic>
+      <p:sp>
+        <p:nvSpPr>
+          <p:cNvPr id="5" name="Rectangle 4"/>
+          <p:cNvSpPr/>
+          <p:nvPr/>
+        </p:nvSpPr>
+        <p:spPr>
+          <a:xfrm>
+            <a:off x="5399584" y="4633291"/>
+            <a:ext cx="3348880" cy="1323439"/>
+          </a:xfrm>
+          <a:prstGeom prst="rect">
+            <a:avLst/>
+          </a:prstGeom>
+        </p:spPr>
+        <p:txBody>
+          <a:bodyPr wrap="square">
+            <a:spAutoFit/>
+          </a:bodyPr>
+          <a:lstStyle/>
+          <a:p>
+            <a:r>
+              <a:rPr lang="en-US" sz="2000" dirty="0"/>
+              <a:t>Scatter plot highlighting the course from a specific </a:t>
+            </a:r>
+            <a:r>
+              <a:rPr lang="en-US" sz="2000" b="1" dirty="0"/>
+              <a:t>area</a:t>
+            </a:r>
+            <a:r>
+              <a:rPr lang="en-US" sz="2000" dirty="0"/>
+              <a:t> due to interaction in area’s idiom</a:t>
+            </a:r>
+            <a:endParaRPr lang="pt-PT" sz="2000" dirty="0"/>
+          </a:p>
+        </p:txBody>
+      </p:sp>
+      <p:sp>
+        <p:nvSpPr>
+          <p:cNvPr id="10" name="Rectangle 9"/>
+          <p:cNvSpPr/>
+          <p:nvPr/>
+        </p:nvSpPr>
+        <p:spPr>
+          <a:xfrm>
+            <a:off x="5425059" y="1923387"/>
+            <a:ext cx="3348880" cy="1323439"/>
+          </a:xfrm>
+          <a:prstGeom prst="rect">
+            <a:avLst/>
+          </a:prstGeom>
+        </p:spPr>
+        <p:txBody>
+          <a:bodyPr wrap="square">
+            <a:spAutoFit/>
+          </a:bodyPr>
+          <a:lstStyle/>
+          <a:p>
+            <a:r>
+              <a:rPr lang="en-US" sz="2000" dirty="0"/>
+              <a:t>Scatter plot highlighting a specific </a:t>
+            </a:r>
+            <a:r>
+              <a:rPr lang="en-US" sz="2000" b="1" dirty="0"/>
+              <a:t>course</a:t>
+            </a:r>
+            <a:r>
+              <a:rPr lang="en-US" sz="2000" dirty="0"/>
+              <a:t> (due to interaction) selected in course’s line chart</a:t>
+            </a:r>
+            <a:endParaRPr lang="pt-PT" sz="2000" dirty="0"/>
+          </a:p>
+        </p:txBody>
+      </p:sp>
+    </p:spTree>
+    <p:extLst>
+      <p:ext uri="{BB962C8B-B14F-4D97-AF65-F5344CB8AC3E}">
+        <p14:creationId xmlns:p14="http://schemas.microsoft.com/office/powerpoint/2010/main" val="2693715927"/>
+      </p:ext>
+    </p:extLst>
+  </p:cSld>
+  <p:clrMapOvr>
+    <a:masterClrMapping/>
+  </p:clrMapOvr>
+  <p:timing>
+    <p:tnLst>
+      <p:par>
+        <p:cTn id="1" dur="indefinite" restart="never" nodeType="tmRoot"/>
+      </p:par>
+    </p:tnLst>
+  </p:timing>
+</p:sld>
+</file>
+
 <file path=ppt/slides/slide2.xml><?xml version="1.0" encoding="utf-8"?>
 <p:sld xmlns:a="http://schemas.openxmlformats.org/drawingml/2006/main" xmlns:r="http://schemas.openxmlformats.org/officeDocument/2006/relationships" xmlns:p="http://schemas.openxmlformats.org/presentationml/2006/main">
   <p:cSld>
@@ -3963,15 +4515,14 @@
           </a:p>
           <a:p>
             <a:pPr marL="0" indent="0"/>
-            <a:endParaRPr lang="en-GB" sz="2800" dirty="0" smtClean="0"/>
-          </a:p>
-          <a:p>
-            <a:pPr marL="0" indent="0"/>
-            <a:r>
-              <a:rPr lang="en-GB" sz="4000" dirty="0" smtClean="0"/>
-              <a:t>Year</a:t>
-            </a:r>
-            <a:endParaRPr lang="en-GB" sz="4000" dirty="0"/>
+            <a:endParaRPr lang="en-GB" sz="800" dirty="0" smtClean="0"/>
+          </a:p>
+          <a:p>
+            <a:pPr marL="0" lvl="0" indent="0"/>
+            <a:r>
+              <a:rPr lang="en-GB" sz="4000" dirty="0"/>
+              <a:t>University Unemployment %</a:t>
+            </a:r>
           </a:p>
           <a:p>
             <a:pPr marL="857250" lvl="1" indent="-457200">
@@ -3984,15 +4535,49 @@
                   <a:schemeClr val="tx1"/>
                 </a:solidFill>
               </a:rPr>
-              <a:t>Encoded </a:t>
-            </a:r>
+              <a:t>Encoded as </a:t>
+            </a:r>
+            <a:r>
+              <a:rPr lang="en-GB" b="1" dirty="0">
+                <a:solidFill>
+                  <a:schemeClr val="tx1"/>
+                </a:solidFill>
+              </a:rPr>
+              <a:t>circle </a:t>
+            </a:r>
+            <a:r>
+              <a:rPr lang="en-GB" b="1" dirty="0" smtClean="0">
+                <a:solidFill>
+                  <a:schemeClr val="tx1"/>
+                </a:solidFill>
+              </a:rPr>
+              <a:t>area</a:t>
+            </a:r>
+          </a:p>
+          <a:p>
+            <a:pPr marL="400050" lvl="1" indent="0"/>
+            <a:endParaRPr lang="en-GB" sz="800" dirty="0" smtClean="0"/>
+          </a:p>
+          <a:p>
+            <a:pPr marL="0" indent="0"/>
+            <a:r>
+              <a:rPr lang="en-GB" sz="4000" dirty="0" smtClean="0"/>
+              <a:t>Year</a:t>
+            </a:r>
+            <a:endParaRPr lang="en-GB" sz="4000" dirty="0"/>
+          </a:p>
+          <a:p>
+            <a:pPr marL="857250" lvl="1" indent="-457200">
+              <a:buFont typeface="Wingdings" panose="05000000000000000000" pitchFamily="2" charset="2"/>
+              <a:buChar char="ü"/>
+            </a:pPr>
             <a:r>
               <a:rPr lang="en-GB" b="0" dirty="0">
                 <a:solidFill>
                   <a:schemeClr val="tx1"/>
                 </a:solidFill>
               </a:rPr>
-              <a:t>as </a:t>
+              <a:t>Encoded as </a:t>
             </a:r>
             <a:r>
               <a:rPr lang="en-GB" b="1" dirty="0">
@@ -4135,6 +4720,19 @@
               </a:rPr>
               <a:t>”</a:t>
             </a:r>
+            <a:r>
+              <a:rPr lang="en-GB" dirty="0"/>
+              <a:t> and</a:t>
+            </a:r>
+            <a:r>
+              <a:rPr lang="en-GB" b="1" dirty="0"/>
+              <a:t> position</a:t>
+            </a:r>
+            <a:endParaRPr lang="en-GB" b="1" dirty="0" smtClean="0">
+              <a:solidFill>
+                <a:schemeClr val="tx1"/>
+              </a:solidFill>
+            </a:endParaRPr>
           </a:p>
           <a:p>
             <a:pPr marL="400050" lvl="1" indent="0"/>
@@ -4148,11 +4746,7 @@
             <a:pPr lvl="0"/>
             <a:r>
               <a:rPr lang="en-GB" sz="4000" dirty="0"/>
-              <a:t>Entry </a:t>
-            </a:r>
-            <a:r>
-              <a:rPr lang="en-GB" sz="4000" dirty="0"/>
-              <a:t>Grade</a:t>
+              <a:t>Entry Grade</a:t>
             </a:r>
           </a:p>
           <a:p>
@@ -4941,7 +5535,7 @@
         <p:spPr>
           <a:xfrm>
             <a:off x="938738" y="5313402"/>
-            <a:ext cx="7304288" cy="707886"/>
+            <a:ext cx="7304288" cy="1015663"/>
           </a:xfrm>
           <a:prstGeom prst="rect">
             <a:avLst/>
@@ -4956,7 +5550,21 @@
           <a:p>
             <a:r>
               <a:rPr lang="en-US" sz="2000" dirty="0"/>
-              <a:t>It’s possible to select a course line and highlight the course in the other views ex: Highlight the course dot in the next presented idiom</a:t>
+              <a:t>It’s possible to select a course line and highlight the course in the other </a:t>
+            </a:r>
+            <a:r>
+              <a:rPr lang="en-US" sz="2000" dirty="0" smtClean="0"/>
+              <a:t>views.</a:t>
+            </a:r>
+          </a:p>
+          <a:p>
+            <a:r>
+              <a:rPr lang="en-US" sz="2000" dirty="0" smtClean="0"/>
+              <a:t>Ex</a:t>
+            </a:r>
+            <a:r>
+              <a:rPr lang="en-US" sz="2000" dirty="0"/>
+              <a:t>: Highlight the course dot in the next presented idiom</a:t>
             </a:r>
             <a:endParaRPr lang="pt-PT" sz="2000" dirty="0"/>
           </a:p>
@@ -5020,7 +5628,7 @@
             </a:r>
             <a:r>
               <a:rPr lang="en-US" dirty="0" smtClean="0"/>
-              <a:t>4</a:t>
+              <a:t>3</a:t>
             </a:r>
             <a:endParaRPr lang="pt-PT" dirty="0"/>
           </a:p>
@@ -5038,8 +5646,8 @@
         </p:nvSpPr>
         <p:spPr>
           <a:xfrm>
-            <a:off x="383964" y="1124744"/>
-            <a:ext cx="8229600" cy="1872208"/>
+            <a:off x="457200" y="1124744"/>
+            <a:ext cx="8229600" cy="1224136"/>
           </a:xfrm>
         </p:spPr>
         <p:txBody>
@@ -5050,27 +5658,23 @@
           <a:p>
             <a:r>
               <a:rPr lang="en-GB" dirty="0" smtClean="0"/>
-              <a:t>Relation </a:t>
+              <a:t>Identify </a:t>
             </a:r>
             <a:r>
               <a:rPr lang="en-GB" dirty="0"/>
-              <a:t>between minimum entry grade and </a:t>
+              <a:t>the university with more unemployment </a:t>
+            </a:r>
+            <a:r>
+              <a:rPr lang="en-GB" dirty="0" smtClean="0"/>
+              <a:t>(%) - </a:t>
             </a:r>
             <a:r>
               <a:rPr lang="en-GB" dirty="0"/>
-              <a:t>unemployment </a:t>
-            </a:r>
-            <a:r>
-              <a:rPr lang="en-GB" dirty="0"/>
-              <a:t>(%)</a:t>
-            </a:r>
-            <a:r>
-              <a:rPr lang="en-US" dirty="0"/>
-              <a:t> -</a:t>
-            </a:r>
-            <a:r>
-              <a:rPr lang="en-GB" dirty="0"/>
-              <a:t> Consume-&gt;Present </a:t>
+              <a:t>Query-&gt;</a:t>
+            </a:r>
+            <a:r>
+              <a:rPr lang="en-GB" dirty="0" smtClean="0"/>
+              <a:t>Identify</a:t>
             </a:r>
             <a:endParaRPr lang="en-US" dirty="0"/>
           </a:p>
@@ -5078,14 +5682,14 @@
       </p:sp>
       <p:sp>
         <p:nvSpPr>
-          <p:cNvPr id="6" name="TextBox 5"/>
+          <p:cNvPr id="5" name="TextBox 4"/>
           <p:cNvSpPr txBox="1"/>
           <p:nvPr/>
         </p:nvSpPr>
         <p:spPr>
           <a:xfrm>
-            <a:off x="5299207" y="3573016"/>
-            <a:ext cx="3593273" cy="1323439"/>
+            <a:off x="1107511" y="5517232"/>
+            <a:ext cx="6928975" cy="400110"/>
           </a:xfrm>
           <a:prstGeom prst="rect">
             <a:avLst/>
@@ -5104,7 +5708,7 @@
                   <a:srgbClr val="336699"/>
                 </a:solidFill>
               </a:rPr>
-              <a:t>Question </a:t>
+              <a:t>Question 5</a:t>
             </a:r>
             <a:r>
               <a:rPr lang="en-GB" sz="2000" b="1" dirty="0" smtClean="0">
@@ -5112,19 +5716,52 @@
                   <a:srgbClr val="336699"/>
                 </a:solidFill>
               </a:rPr>
-              <a:t>4: </a:t>
+              <a:t>: </a:t>
             </a:r>
             <a:r>
               <a:rPr lang="en-GB" sz="2000" dirty="0"/>
-              <a:t>Where the unemployment will be higher? In a course with 14 minimum entry grade or one with 17?</a:t>
+              <a:t>What is the university with more unemployment?</a:t>
             </a:r>
             <a:endParaRPr lang="en-US" sz="2000" dirty="0"/>
+          </a:p>
+        </p:txBody>
+      </p:sp>
+      <p:sp>
+        <p:nvSpPr>
+          <p:cNvPr id="7" name="Rectangle 6"/>
+          <p:cNvSpPr/>
+          <p:nvPr/>
+        </p:nvSpPr>
+        <p:spPr>
+          <a:xfrm>
+            <a:off x="899592" y="4778358"/>
+            <a:ext cx="8257196" cy="307777"/>
+          </a:xfrm>
+          <a:prstGeom prst="rect">
+            <a:avLst/>
+          </a:prstGeom>
+        </p:spPr>
+        <p:txBody>
+          <a:bodyPr wrap="square">
+            <a:spAutoFit/>
+          </a:bodyPr>
+          <a:lstStyle/>
+          <a:p>
+            <a:r>
+              <a:rPr lang="en-GB" sz="1400" dirty="0"/>
+              <a:t>Sort the universities in ascending and descending order to give user both perspectives of the </a:t>
+            </a:r>
+            <a:r>
+              <a:rPr lang="en-GB" sz="1400" dirty="0" smtClean="0"/>
+              <a:t>data</a:t>
+            </a:r>
+            <a:endParaRPr lang="pt-PT" sz="1400" dirty="0"/>
           </a:p>
         </p:txBody>
       </p:sp>
       <p:pic>
         <p:nvPicPr>
-          <p:cNvPr id="8" name="Imagem 4" descr="C:\ProgrammingWorkspace\OtherWorkspace\VI-Project\III-Checkpoint\Scatterplot.png"/>
+          <p:cNvPr id="8" name="Imagem 2" descr="C:\ProgrammingWorkspace\OtherWorkspace\VI-Project\III-Checkpoint\BertinMatrix2.png"/>
           <p:cNvPicPr/>
           <p:nvPr/>
         </p:nvPicPr>
@@ -5137,8 +5774,38 @@
         </p:blipFill>
         <p:spPr bwMode="auto">
           <a:xfrm>
-            <a:off x="355640" y="2639902"/>
-            <a:ext cx="4943567" cy="3021346"/>
+            <a:off x="382384" y="2420887"/>
+            <a:ext cx="4045600" cy="2292033"/>
+          </a:xfrm>
+          <a:prstGeom prst="rect">
+            <a:avLst/>
+          </a:prstGeom>
+          <a:noFill/>
+          <a:ln w="9525">
+            <a:noFill/>
+            <a:miter lim="800000"/>
+            <a:headEnd/>
+            <a:tailEnd/>
+          </a:ln>
+        </p:spPr>
+      </p:pic>
+      <p:pic>
+        <p:nvPicPr>
+          <p:cNvPr id="9" name="Imagem 1" descr="C:\ProgrammingWorkspace\OtherWorkspace\VI-Project\III-Checkpoint\BertinMatrix1.png"/>
+          <p:cNvPicPr/>
+          <p:nvPr/>
+        </p:nvPicPr>
+        <p:blipFill>
+          <a:blip r:embed="rId4"/>
+          <a:srcRect/>
+          <a:stretch>
+            <a:fillRect/>
+          </a:stretch>
+        </p:blipFill>
+        <p:spPr bwMode="auto">
+          <a:xfrm>
+            <a:off x="4571999" y="2420887"/>
+            <a:ext cx="4032449" cy="2292033"/>
           </a:xfrm>
           <a:prstGeom prst="rect">
             <a:avLst/>
@@ -5155,7 +5822,7 @@
     </p:spTree>
     <p:extLst>
       <p:ext uri="{BB962C8B-B14F-4D97-AF65-F5344CB8AC3E}">
-        <p14:creationId xmlns:p14="http://schemas.microsoft.com/office/powerpoint/2010/main" val="3627288460"/>
+        <p14:creationId xmlns:p14="http://schemas.microsoft.com/office/powerpoint/2010/main" val="2525079296"/>
       </p:ext>
     </p:extLst>
   </p:cSld>

--- a/III-Checkpoint/III-Checkpoint Presentation.pptx
+++ b/III-Checkpoint/III-Checkpoint Presentation.pptx
@@ -5,10 +5,10 @@
     <p:sldMasterId id="2147483648" r:id="rId1"/>
   </p:sldMasterIdLst>
   <p:notesMasterIdLst>
-    <p:notesMasterId r:id="rId13"/>
+    <p:notesMasterId r:id="rId14"/>
   </p:notesMasterIdLst>
   <p:handoutMasterIdLst>
-    <p:handoutMasterId r:id="rId14"/>
+    <p:handoutMasterId r:id="rId15"/>
   </p:handoutMasterIdLst>
   <p:sldIdLst>
     <p:sldId id="256" r:id="rId2"/>
@@ -22,6 +22,7 @@
     <p:sldId id="1114" r:id="rId10"/>
     <p:sldId id="1113" r:id="rId11"/>
     <p:sldId id="1115" r:id="rId12"/>
+    <p:sldId id="1116" r:id="rId13"/>
   </p:sldIdLst>
   <p:sldSz cx="9144000" cy="6858000" type="screen4x3"/>
   <p:notesSz cx="6858000" cy="9144000"/>
@@ -122,7 +123,7 @@
   </p:defaultTextStyle>
   <p:extLst>
     <p:ext uri="{EFAFB233-063F-42B5-8137-9DF3F51BA10A}">
-      <p15:sldGuideLst xmlns:p15="http://schemas.microsoft.com/office/powerpoint/2012/main" xmlns="">
+      <p15:sldGuideLst xmlns="" xmlns:p15="http://schemas.microsoft.com/office/powerpoint/2012/main">
         <p15:guide id="1" orient="horz" pos="2160">
           <p15:clr>
             <a:srgbClr val="A4A3A4"/>
@@ -733,6 +734,91 @@
     <p:extLst>
       <p:ext uri="{BB962C8B-B14F-4D97-AF65-F5344CB8AC3E}">
         <p14:creationId xmlns:p14="http://schemas.microsoft.com/office/powerpoint/2010/main" val="3501982873"/>
+      </p:ext>
+    </p:extLst>
+  </p:cSld>
+  <p:clrMapOvr>
+    <a:masterClrMapping/>
+  </p:clrMapOvr>
+</p:notes>
+</file>
+
+<file path=ppt/notesSlides/notesSlide10.xml><?xml version="1.0" encoding="utf-8"?>
+<p:notes xmlns:a="http://schemas.openxmlformats.org/drawingml/2006/main" xmlns:r="http://schemas.openxmlformats.org/officeDocument/2006/relationships" xmlns:p="http://schemas.openxmlformats.org/presentationml/2006/main">
+  <p:cSld>
+    <p:spTree>
+      <p:nvGrpSpPr>
+        <p:cNvPr id="1" name=""/>
+        <p:cNvGrpSpPr/>
+        <p:nvPr/>
+      </p:nvGrpSpPr>
+      <p:grpSpPr>
+        <a:xfrm>
+          <a:off x="0" y="0"/>
+          <a:ext cx="0" cy="0"/>
+          <a:chOff x="0" y="0"/>
+          <a:chExt cx="0" cy="0"/>
+        </a:xfrm>
+      </p:grpSpPr>
+      <p:sp>
+        <p:nvSpPr>
+          <p:cNvPr id="2" name="Slide Image Placeholder 1"/>
+          <p:cNvSpPr>
+            <a:spLocks noGrp="1" noRot="1" noChangeAspect="1"/>
+          </p:cNvSpPr>
+          <p:nvPr>
+            <p:ph type="sldImg"/>
+          </p:nvPr>
+        </p:nvSpPr>
+        <p:spPr/>
+      </p:sp>
+      <p:sp>
+        <p:nvSpPr>
+          <p:cNvPr id="3" name="Notes Placeholder 2"/>
+          <p:cNvSpPr>
+            <a:spLocks noGrp="1"/>
+          </p:cNvSpPr>
+          <p:nvPr>
+            <p:ph type="body" idx="1"/>
+          </p:nvPr>
+        </p:nvSpPr>
+        <p:spPr/>
+        <p:txBody>
+          <a:bodyPr/>
+          <a:lstStyle/>
+          <a:p>
+            <a:endParaRPr lang="en-US" baseline="0" dirty="0"/>
+          </a:p>
+        </p:txBody>
+      </p:sp>
+      <p:sp>
+        <p:nvSpPr>
+          <p:cNvPr id="4" name="Slide Number Placeholder 3"/>
+          <p:cNvSpPr>
+            <a:spLocks noGrp="1"/>
+          </p:cNvSpPr>
+          <p:nvPr>
+            <p:ph type="sldNum" sz="quarter" idx="10"/>
+          </p:nvPr>
+        </p:nvSpPr>
+        <p:spPr/>
+        <p:txBody>
+          <a:bodyPr/>
+          <a:lstStyle/>
+          <a:p>
+            <a:fld id="{F535F173-C1DD-4975-94BF-5B9ED67F7674}" type="slidenum">
+              <a:rPr lang="en-US" smtClean="0"/>
+              <a:pPr/>
+              <a:t>12</a:t>
+            </a:fld>
+            <a:endParaRPr lang="en-US"/>
+          </a:p>
+        </p:txBody>
+      </p:sp>
+    </p:spTree>
+    <p:extLst>
+      <p:ext uri="{BB962C8B-B14F-4D97-AF65-F5344CB8AC3E}">
+        <p14:creationId xmlns:p14="http://schemas.microsoft.com/office/powerpoint/2010/main" val="1355792998"/>
       </p:ext>
     </p:extLst>
   </p:cSld>
@@ -4014,20 +4100,12 @@
           <a:lstStyle/>
           <a:p>
             <a:r>
-              <a:rPr lang="en-GB" sz="2000" b="1" dirty="0">
-                <a:solidFill>
-                  <a:srgbClr val="336699"/>
-                </a:solidFill>
-              </a:rPr>
-              <a:t>Question </a:t>
-            </a:r>
-            <a:r>
               <a:rPr lang="en-GB" sz="2000" b="1" dirty="0" smtClean="0">
                 <a:solidFill>
                   <a:srgbClr val="336699"/>
                 </a:solidFill>
               </a:rPr>
-              <a:t>4: </a:t>
+              <a:t>Question: </a:t>
             </a:r>
             <a:r>
               <a:rPr lang="en-GB" sz="2000" dirty="0"/>
@@ -4285,6 +4363,228 @@
 </p:sld>
 </file>
 
+<file path=ppt/slides/slide12.xml><?xml version="1.0" encoding="utf-8"?>
+<p:sld xmlns:a="http://schemas.openxmlformats.org/drawingml/2006/main" xmlns:r="http://schemas.openxmlformats.org/officeDocument/2006/relationships" xmlns:p="http://schemas.openxmlformats.org/presentationml/2006/main">
+  <p:cSld>
+    <p:spTree>
+      <p:nvGrpSpPr>
+        <p:cNvPr id="1" name=""/>
+        <p:cNvGrpSpPr/>
+        <p:nvPr/>
+      </p:nvGrpSpPr>
+      <p:grpSpPr>
+        <a:xfrm>
+          <a:off x="0" y="0"/>
+          <a:ext cx="0" cy="0"/>
+          <a:chOff x="0" y="0"/>
+          <a:chExt cx="0" cy="0"/>
+        </a:xfrm>
+      </p:grpSpPr>
+      <p:sp>
+        <p:nvSpPr>
+          <p:cNvPr id="2" name="Title 1"/>
+          <p:cNvSpPr>
+            <a:spLocks noGrp="1"/>
+          </p:cNvSpPr>
+          <p:nvPr>
+            <p:ph type="title"/>
+          </p:nvPr>
+        </p:nvSpPr>
+        <p:spPr/>
+        <p:txBody>
+          <a:bodyPr/>
+          <a:lstStyle/>
+          <a:p>
+            <a:r>
+              <a:rPr lang="en-US" dirty="0"/>
+              <a:t>Task </a:t>
+            </a:r>
+            <a:r>
+              <a:rPr lang="en-US" dirty="0"/>
+              <a:t>5</a:t>
+            </a:r>
+            <a:endParaRPr lang="pt-PT" dirty="0"/>
+          </a:p>
+        </p:txBody>
+      </p:sp>
+      <p:sp>
+        <p:nvSpPr>
+          <p:cNvPr id="3" name="Content Placeholder 2"/>
+          <p:cNvSpPr>
+            <a:spLocks noGrp="1"/>
+          </p:cNvSpPr>
+          <p:nvPr>
+            <p:ph idx="1"/>
+          </p:nvPr>
+        </p:nvSpPr>
+        <p:spPr>
+          <a:xfrm>
+            <a:off x="383964" y="1124744"/>
+            <a:ext cx="8229600" cy="1872208"/>
+          </a:xfrm>
+        </p:spPr>
+        <p:txBody>
+          <a:bodyPr>
+            <a:noAutofit/>
+          </a:bodyPr>
+          <a:lstStyle/>
+          <a:p>
+            <a:r>
+              <a:rPr lang="en-GB" dirty="0" smtClean="0"/>
+              <a:t>Summarize </a:t>
+            </a:r>
+            <a:r>
+              <a:rPr lang="en-GB" dirty="0"/>
+              <a:t>the employment/unemployment by graduation </a:t>
+            </a:r>
+            <a:r>
+              <a:rPr lang="en-GB" dirty="0" smtClean="0"/>
+              <a:t>areas - </a:t>
+            </a:r>
+            <a:r>
+              <a:rPr lang="en-GB" dirty="0"/>
+              <a:t>Query-&gt;</a:t>
+            </a:r>
+            <a:r>
+              <a:rPr lang="en-GB" dirty="0" smtClean="0"/>
+              <a:t>Summarize</a:t>
+            </a:r>
+            <a:endParaRPr lang="en-US" dirty="0"/>
+          </a:p>
+        </p:txBody>
+      </p:sp>
+      <p:pic>
+        <p:nvPicPr>
+          <p:cNvPr id="1026" name="Picture 2" descr="C:\Users\Mário\Dropbox\Capturas de tela\Screenshot 2016-11-03 23.18.21.png"/>
+          <p:cNvPicPr>
+            <a:picLocks noChangeAspect="1" noChangeArrowheads="1"/>
+          </p:cNvPicPr>
+          <p:nvPr/>
+        </p:nvPicPr>
+        <p:blipFill>
+          <a:blip r:embed="rId3">
+            <a:extLst>
+              <a:ext uri="{28A0092B-C50C-407E-A947-70E740481C1C}">
+                <a14:useLocalDpi xmlns:a14="http://schemas.microsoft.com/office/drawing/2010/main" val="0"/>
+              </a:ext>
+            </a:extLst>
+          </a:blip>
+          <a:srcRect/>
+          <a:stretch>
+            <a:fillRect/>
+          </a:stretch>
+        </p:blipFill>
+        <p:spPr bwMode="auto">
+          <a:xfrm>
+            <a:off x="611560" y="2348880"/>
+            <a:ext cx="6271512" cy="3168352"/>
+          </a:xfrm>
+          <a:prstGeom prst="rect">
+            <a:avLst/>
+          </a:prstGeom>
+          <a:noFill/>
+          <a:extLst>
+            <a:ext uri="{909E8E84-426E-40DD-AFC4-6F175D3DCCD1}">
+              <a14:hiddenFill xmlns:a14="http://schemas.microsoft.com/office/drawing/2010/main">
+                <a:solidFill>
+                  <a:srgbClr val="FFFFFF"/>
+                </a:solidFill>
+              </a14:hiddenFill>
+            </a:ext>
+          </a:extLst>
+        </p:spPr>
+      </p:pic>
+      <p:sp>
+        <p:nvSpPr>
+          <p:cNvPr id="6" name="TextBox 5"/>
+          <p:cNvSpPr txBox="1"/>
+          <p:nvPr/>
+        </p:nvSpPr>
+        <p:spPr>
+          <a:xfrm>
+            <a:off x="4860032" y="4213537"/>
+            <a:ext cx="3816424" cy="1015663"/>
+          </a:xfrm>
+          <a:prstGeom prst="rect">
+            <a:avLst/>
+          </a:prstGeom>
+          <a:noFill/>
+        </p:spPr>
+        <p:txBody>
+          <a:bodyPr wrap="square" rtlCol="0">
+            <a:spAutoFit/>
+          </a:bodyPr>
+          <a:lstStyle/>
+          <a:p>
+            <a:r>
+              <a:rPr lang="en-GB" sz="2000" b="1" dirty="0" smtClean="0">
+                <a:solidFill>
+                  <a:srgbClr val="336699"/>
+                </a:solidFill>
+              </a:rPr>
+              <a:t>Question: </a:t>
+            </a:r>
+            <a:r>
+              <a:rPr lang="en-GB" sz="2000" dirty="0" smtClean="0"/>
+              <a:t>What </a:t>
+            </a:r>
+            <a:r>
+              <a:rPr lang="en-GB" sz="2000" dirty="0"/>
+              <a:t>is the graduation area with less/more unemployment?</a:t>
+            </a:r>
+            <a:endParaRPr lang="en-US" sz="2000" dirty="0"/>
+          </a:p>
+        </p:txBody>
+      </p:sp>
+      <p:sp>
+        <p:nvSpPr>
+          <p:cNvPr id="4" name="Rectangle 3"/>
+          <p:cNvSpPr/>
+          <p:nvPr/>
+        </p:nvSpPr>
+        <p:spPr>
+          <a:xfrm>
+            <a:off x="755576" y="5662989"/>
+            <a:ext cx="7560840" cy="646331"/>
+          </a:xfrm>
+          <a:prstGeom prst="rect">
+            <a:avLst/>
+          </a:prstGeom>
+        </p:spPr>
+        <p:txBody>
+          <a:bodyPr wrap="square">
+            <a:spAutoFit/>
+          </a:bodyPr>
+          <a:lstStyle/>
+          <a:p>
+            <a:r>
+              <a:rPr lang="en-US" dirty="0"/>
+              <a:t>Unemployment by graduation area. On “mouse over”, it will display the name and the unemployment %. On “click”, it will zoom that region</a:t>
+            </a:r>
+            <a:endParaRPr lang="pt-PT" dirty="0"/>
+          </a:p>
+        </p:txBody>
+      </p:sp>
+    </p:spTree>
+    <p:extLst>
+      <p:ext uri="{BB962C8B-B14F-4D97-AF65-F5344CB8AC3E}">
+        <p14:creationId xmlns:p14="http://schemas.microsoft.com/office/powerpoint/2010/main" val="1181242340"/>
+      </p:ext>
+    </p:extLst>
+  </p:cSld>
+  <p:clrMapOvr>
+    <a:masterClrMapping/>
+  </p:clrMapOvr>
+  <p:timing>
+    <p:tnLst>
+      <p:par>
+        <p:cTn id="1" dur="indefinite" restart="never" nodeType="tmRoot"/>
+      </p:par>
+    </p:tnLst>
+  </p:timing>
+</p:sld>
+</file>
+
 <file path=ppt/slides/slide2.xml><?xml version="1.0" encoding="utf-8"?>
 <p:sld xmlns:a="http://schemas.openxmlformats.org/drawingml/2006/main" xmlns:r="http://schemas.openxmlformats.org/officeDocument/2006/relationships" xmlns:p="http://schemas.openxmlformats.org/presentationml/2006/main">
   <p:cSld>
@@ -4674,7 +4974,12 @@
             <p:ph idx="1"/>
           </p:nvPr>
         </p:nvSpPr>
-        <p:spPr/>
+        <p:spPr>
+          <a:xfrm>
+            <a:off x="457200" y="1196752"/>
+            <a:ext cx="8229600" cy="5214974"/>
+          </a:xfrm>
+        </p:spPr>
         <p:txBody>
           <a:bodyPr>
             <a:noAutofit/>
@@ -4726,17 +5031,13 @@
             </a:r>
             <a:r>
               <a:rPr lang="en-GB" b="1" dirty="0"/>
-              <a:t> position</a:t>
-            </a:r>
-            <a:endParaRPr lang="en-GB" b="1" dirty="0" smtClean="0">
-              <a:solidFill>
-                <a:schemeClr val="tx1"/>
-              </a:solidFill>
-            </a:endParaRPr>
-          </a:p>
-          <a:p>
-            <a:pPr marL="400050" lvl="1" indent="0"/>
-            <a:endParaRPr lang="pt-PT" b="1" dirty="0">
+              <a:t> </a:t>
+            </a:r>
+            <a:r>
+              <a:rPr lang="en-GB" b="1" dirty="0" smtClean="0"/>
+              <a:t>position</a:t>
+            </a:r>
+            <a:endParaRPr lang="pt-PT" sz="800" b="1" dirty="0">
               <a:solidFill>
                 <a:schemeClr val="tx1"/>
               </a:solidFill>
@@ -4771,7 +5072,7 @@
               <a:t>as </a:t>
             </a:r>
             <a:r>
-              <a:rPr lang="en-GB" b="1" dirty="0">
+              <a:rPr lang="en-GB" b="1" dirty="0" smtClean="0">
                 <a:solidFill>
                   <a:schemeClr val="tx1"/>
                 </a:solidFill>
@@ -4779,26 +5080,73 @@
               <a:t>position</a:t>
             </a:r>
             <a:r>
-              <a:rPr lang="en-GB" b="0" dirty="0">
-                <a:solidFill>
-                  <a:schemeClr val="tx1"/>
-                </a:solidFill>
-              </a:rPr>
-              <a:t> in horizontal </a:t>
-            </a:r>
-            <a:r>
               <a:rPr lang="en-GB" b="0" dirty="0" smtClean="0">
                 <a:solidFill>
                   <a:schemeClr val="tx1"/>
                 </a:solidFill>
               </a:rPr>
-              <a:t>axis</a:t>
-            </a:r>
-            <a:endParaRPr lang="pt-PT" b="0" dirty="0">
-              <a:solidFill>
-                <a:schemeClr val="tx1"/>
-              </a:solidFill>
-            </a:endParaRPr>
+              <a:t> in horizontal axis</a:t>
+            </a:r>
+          </a:p>
+          <a:p>
+            <a:pPr lvl="0"/>
+            <a:r>
+              <a:rPr lang="en-GB" sz="4000" dirty="0"/>
+              <a:t>Course </a:t>
+            </a:r>
+            <a:r>
+              <a:rPr lang="en-GB" sz="4000" dirty="0"/>
+              <a:t>Area</a:t>
+            </a:r>
+          </a:p>
+          <a:p>
+            <a:pPr marL="971550" lvl="1" indent="-571500">
+              <a:buFont typeface="Wingdings" panose="05000000000000000000" pitchFamily="2" charset="2"/>
+              <a:buChar char="ü"/>
+            </a:pPr>
+            <a:r>
+              <a:rPr lang="en-GB" dirty="0"/>
+              <a:t>Encoded </a:t>
+            </a:r>
+            <a:r>
+              <a:rPr lang="en-GB" dirty="0"/>
+              <a:t>as colour </a:t>
+            </a:r>
+            <a:r>
+              <a:rPr lang="en-GB" b="1" dirty="0"/>
+              <a:t>intensity</a:t>
+            </a:r>
+            <a:endParaRPr lang="pt-PT" b="1" dirty="0"/>
+          </a:p>
+          <a:p>
+            <a:pPr lvl="0"/>
+            <a:r>
+              <a:rPr lang="en-GB" sz="4000" dirty="0"/>
+              <a:t>Area </a:t>
+            </a:r>
+            <a:r>
+              <a:rPr lang="en-GB" sz="4000" dirty="0"/>
+              <a:t>Unemployment</a:t>
+            </a:r>
+          </a:p>
+          <a:p>
+            <a:pPr marL="971550" lvl="1" indent="-571500">
+              <a:buFont typeface="Wingdings" panose="05000000000000000000" pitchFamily="2" charset="2"/>
+              <a:buChar char="ü"/>
+            </a:pPr>
+            <a:r>
+              <a:rPr lang="en-GB" dirty="0"/>
+              <a:t>Encoded </a:t>
+            </a:r>
+            <a:r>
+              <a:rPr lang="en-GB" dirty="0"/>
+              <a:t>as </a:t>
+            </a:r>
+            <a:r>
+              <a:rPr lang="en-GB" b="1" dirty="0"/>
+              <a:t>area</a:t>
+            </a:r>
+            <a:endParaRPr lang="pt-PT" b="1" dirty="0"/>
           </a:p>
         </p:txBody>
       </p:sp>
@@ -5102,12 +5450,12 @@
           <a:lstStyle/>
           <a:p>
             <a:r>
-              <a:rPr lang="en-GB" sz="2000" b="1" dirty="0">
+              <a:rPr lang="en-GB" sz="2000" b="1" dirty="0" smtClean="0">
                 <a:solidFill>
                   <a:srgbClr val="336699"/>
                 </a:solidFill>
               </a:rPr>
-              <a:t>Question 1: </a:t>
+              <a:t>Question: </a:t>
             </a:r>
             <a:r>
               <a:rPr lang="en-GB" sz="2000" dirty="0"/>
@@ -5258,12 +5606,12 @@
               <a:t>- </a:t>
             </a:r>
             <a:r>
-              <a:rPr lang="en-GB" dirty="0" err="1"/>
-              <a:t>Analyze</a:t>
+              <a:rPr lang="en-GB" dirty="0" smtClean="0"/>
+              <a:t>Analyse-</a:t>
             </a:r>
             <a:r>
               <a:rPr lang="en-GB" dirty="0"/>
-              <a:t>-&gt;Consume-&gt;Present</a:t>
+              <a:t>&gt;Consume-&gt;Present</a:t>
             </a:r>
             <a:endParaRPr lang="en-US" dirty="0"/>
           </a:p>
@@ -5322,20 +5670,12 @@
           <a:lstStyle/>
           <a:p>
             <a:r>
-              <a:rPr lang="en-GB" sz="2000" b="1" dirty="0">
-                <a:solidFill>
-                  <a:srgbClr val="336699"/>
-                </a:solidFill>
-              </a:rPr>
-              <a:t>Question </a:t>
-            </a:r>
-            <a:r>
               <a:rPr lang="en-GB" sz="2000" b="1" dirty="0" smtClean="0">
                 <a:solidFill>
                   <a:srgbClr val="336699"/>
                 </a:solidFill>
               </a:rPr>
-              <a:t>2: </a:t>
+              <a:t>Question: </a:t>
             </a:r>
             <a:r>
               <a:rPr lang="en-GB" sz="2000" dirty="0"/>
@@ -5372,20 +5712,12 @@
           <a:lstStyle/>
           <a:p>
             <a:r>
-              <a:rPr lang="en-GB" sz="2000" b="1" dirty="0">
-                <a:solidFill>
-                  <a:srgbClr val="336699"/>
-                </a:solidFill>
-              </a:rPr>
-              <a:t>Question </a:t>
-            </a:r>
-            <a:r>
               <a:rPr lang="en-GB" sz="2000" b="1" dirty="0" smtClean="0">
                 <a:solidFill>
                   <a:srgbClr val="336699"/>
                 </a:solidFill>
               </a:rPr>
-              <a:t>3: </a:t>
+              <a:t>Question: </a:t>
             </a:r>
             <a:r>
               <a:rPr lang="en-GB" sz="2000" dirty="0" smtClean="0"/>
@@ -5703,20 +6035,12 @@
           <a:lstStyle/>
           <a:p>
             <a:r>
-              <a:rPr lang="en-GB" sz="2000" b="1" dirty="0">
-                <a:solidFill>
-                  <a:srgbClr val="336699"/>
-                </a:solidFill>
-              </a:rPr>
-              <a:t>Question 5</a:t>
-            </a:r>
-            <a:r>
               <a:rPr lang="en-GB" sz="2000" b="1" dirty="0" smtClean="0">
                 <a:solidFill>
                   <a:srgbClr val="336699"/>
                 </a:solidFill>
               </a:rPr>
-              <a:t>: </a:t>
+              <a:t>Question: </a:t>
             </a:r>
             <a:r>
               <a:rPr lang="en-GB" sz="2000" dirty="0"/>
@@ -5804,7 +6128,7 @@
         </p:blipFill>
         <p:spPr bwMode="auto">
           <a:xfrm>
-            <a:off x="4571999" y="2420887"/>
+            <a:off x="4644007" y="2420887"/>
             <a:ext cx="4032449" cy="2292033"/>
           </a:xfrm>
           <a:prstGeom prst="rect">

--- a/III-Checkpoint/III-Checkpoint Presentation.pptx
+++ b/III-Checkpoint/III-Checkpoint Presentation.pptx
@@ -123,7 +123,7 @@
   </p:defaultTextStyle>
   <p:extLst>
     <p:ext uri="{EFAFB233-063F-42B5-8137-9DF3F51BA10A}">
-      <p15:sldGuideLst xmlns="" xmlns:p15="http://schemas.microsoft.com/office/powerpoint/2012/main">
+      <p15:sldGuideLst xmlns:p15="http://schemas.microsoft.com/office/powerpoint/2012/main">
         <p15:guide id="1" orient="horz" pos="2160">
           <p15:clr>
             <a:srgbClr val="A4A3A4"/>
@@ -288,7 +288,7 @@
           <a:p>
             <a:fld id="{C7B702CB-D988-47C5-8204-95032A6A7C26}" type="slidenum">
               <a:rPr lang="en-US" smtClean="0"/>
-              <a:t>‹#›</a:t>
+              <a:t>‹nº›</a:t>
             </a:fld>
             <a:endParaRPr lang="en-US"/>
           </a:p>
@@ -549,7 +549,7 @@
             <a:fld id="{F535F173-C1DD-4975-94BF-5B9ED67F7674}" type="slidenum">
               <a:rPr lang="en-US" smtClean="0"/>
               <a:pPr/>
-              <a:t>‹#›</a:t>
+              <a:t>‹nº›</a:t>
             </a:fld>
             <a:endParaRPr lang="en-US"/>
           </a:p>
@@ -2000,7 +2000,7 @@
             <a:fld id="{F3CC9924-33BC-4796-B0F9-D37DB5D899BF}" type="datetimeFigureOut">
               <a:rPr lang="pt-PT" smtClean="0"/>
               <a:pPr/>
-              <a:t>03-11-2016</a:t>
+              <a:t>03/11/2016</a:t>
             </a:fld>
             <a:endParaRPr lang="pt-PT"/>
           </a:p>
@@ -2059,7 +2059,7 @@
             <a:fld id="{B5EBF8D4-C87A-47B7-9996-84452461937B}" type="slidenum">
               <a:rPr lang="pt-PT" smtClean="0"/>
               <a:pPr/>
-              <a:t>‹#›</a:t>
+              <a:t>‹nº›</a:t>
             </a:fld>
             <a:endParaRPr lang="pt-PT"/>
           </a:p>
@@ -3734,10 +3734,6 @@
               <a:rPr lang="pt-PT" sz="4800" b="1" dirty="0" err="1"/>
               <a:t>Visualization</a:t>
             </a:r>
-            <a:r>
-              <a:rPr lang="pt-PT" sz="4800" b="1" dirty="0"/>
-              <a:t/>
-            </a:r>
             <a:br>
               <a:rPr lang="pt-PT" sz="4800" b="1" dirty="0"/>
             </a:br>
@@ -4025,11 +4021,7 @@
           <a:p>
             <a:r>
               <a:rPr lang="en-US" dirty="0"/>
-              <a:t>Task </a:t>
-            </a:r>
-            <a:r>
-              <a:rPr lang="en-US" dirty="0" smtClean="0"/>
-              <a:t>4</a:t>
+              <a:t>Task 4</a:t>
             </a:r>
             <a:endParaRPr lang="pt-PT" dirty="0"/>
           </a:p>
@@ -4058,12 +4050,8 @@
           <a:lstStyle/>
           <a:p>
             <a:r>
-              <a:rPr lang="en-GB" dirty="0" smtClean="0"/>
-              <a:t>Relation </a:t>
-            </a:r>
-            <a:r>
               <a:rPr lang="en-GB" dirty="0"/>
-              <a:t>between minimum entry grade and unemployment (%)</a:t>
+              <a:t>Relation between minimum entry grade and unemployment (%)</a:t>
             </a:r>
             <a:r>
               <a:rPr lang="en-US" dirty="0"/>
@@ -4100,7 +4088,7 @@
           <a:lstStyle/>
           <a:p>
             <a:r>
-              <a:rPr lang="en-GB" sz="2000" b="1" dirty="0" smtClean="0">
+              <a:rPr lang="en-GB" sz="2000" b="1" dirty="0">
                 <a:solidFill>
                   <a:srgbClr val="336699"/>
                 </a:solidFill>
@@ -4155,13 +4143,6 @@
   <p:clrMapOvr>
     <a:masterClrMapping/>
   </p:clrMapOvr>
-  <p:timing>
-    <p:tnLst>
-      <p:par>
-        <p:cTn id="1" dur="indefinite" restart="never" nodeType="tmRoot"/>
-      </p:par>
-    </p:tnLst>
-  </p:timing>
 </p:sld>
 </file>
 
@@ -4199,11 +4180,7 @@
           <a:p>
             <a:r>
               <a:rPr lang="en-US" dirty="0"/>
-              <a:t>Task </a:t>
-            </a:r>
-            <a:r>
-              <a:rPr lang="en-US" dirty="0" smtClean="0"/>
-              <a:t>4</a:t>
+              <a:t>Task 4</a:t>
             </a:r>
             <a:endParaRPr lang="pt-PT" dirty="0"/>
           </a:p>
@@ -4353,13 +4330,6 @@
   <p:clrMapOvr>
     <a:masterClrMapping/>
   </p:clrMapOvr>
-  <p:timing>
-    <p:tnLst>
-      <p:par>
-        <p:cTn id="1" dur="indefinite" restart="never" nodeType="tmRoot"/>
-      </p:par>
-    </p:tnLst>
-  </p:timing>
 </p:sld>
 </file>
 
@@ -4397,11 +4367,7 @@
           <a:p>
             <a:r>
               <a:rPr lang="en-US" dirty="0"/>
-              <a:t>Task </a:t>
-            </a:r>
-            <a:r>
-              <a:rPr lang="en-US" dirty="0"/>
-              <a:t>5</a:t>
+              <a:t>Task 5</a:t>
             </a:r>
             <a:endParaRPr lang="pt-PT" dirty="0"/>
           </a:p>
@@ -4430,70 +4396,13 @@
           <a:lstStyle/>
           <a:p>
             <a:r>
-              <a:rPr lang="en-GB" dirty="0" smtClean="0"/>
-              <a:t>Summarize </a:t>
-            </a:r>
-            <a:r>
               <a:rPr lang="en-GB" dirty="0"/>
-              <a:t>the employment/unemployment by graduation </a:t>
-            </a:r>
-            <a:r>
-              <a:rPr lang="en-GB" dirty="0" smtClean="0"/>
-              <a:t>areas - </a:t>
-            </a:r>
-            <a:r>
-              <a:rPr lang="en-GB" dirty="0"/>
-              <a:t>Query-&gt;</a:t>
-            </a:r>
-            <a:r>
-              <a:rPr lang="en-GB" dirty="0" smtClean="0"/>
-              <a:t>Summarize</a:t>
+              <a:t>Summarize the employment/unemployment by graduation areas - Query-&gt;Summarize</a:t>
             </a:r>
             <a:endParaRPr lang="en-US" dirty="0"/>
           </a:p>
         </p:txBody>
       </p:sp>
-      <p:pic>
-        <p:nvPicPr>
-          <p:cNvPr id="1026" name="Picture 2" descr="C:\Users\Mário\Dropbox\Capturas de tela\Screenshot 2016-11-03 23.18.21.png"/>
-          <p:cNvPicPr>
-            <a:picLocks noChangeAspect="1" noChangeArrowheads="1"/>
-          </p:cNvPicPr>
-          <p:nvPr/>
-        </p:nvPicPr>
-        <p:blipFill>
-          <a:blip r:embed="rId3">
-            <a:extLst>
-              <a:ext uri="{28A0092B-C50C-407E-A947-70E740481C1C}">
-                <a14:useLocalDpi xmlns:a14="http://schemas.microsoft.com/office/drawing/2010/main" val="0"/>
-              </a:ext>
-            </a:extLst>
-          </a:blip>
-          <a:srcRect/>
-          <a:stretch>
-            <a:fillRect/>
-          </a:stretch>
-        </p:blipFill>
-        <p:spPr bwMode="auto">
-          <a:xfrm>
-            <a:off x="611560" y="2348880"/>
-            <a:ext cx="6271512" cy="3168352"/>
-          </a:xfrm>
-          <a:prstGeom prst="rect">
-            <a:avLst/>
-          </a:prstGeom>
-          <a:noFill/>
-          <a:extLst>
-            <a:ext uri="{909E8E84-426E-40DD-AFC4-6F175D3DCCD1}">
-              <a14:hiddenFill xmlns:a14="http://schemas.microsoft.com/office/drawing/2010/main">
-                <a:solidFill>
-                  <a:srgbClr val="FFFFFF"/>
-                </a:solidFill>
-              </a14:hiddenFill>
-            </a:ext>
-          </a:extLst>
-        </p:spPr>
-      </p:pic>
       <p:sp>
         <p:nvSpPr>
           <p:cNvPr id="6" name="TextBox 5"/>
@@ -4517,7 +4426,7 @@
           <a:lstStyle/>
           <a:p>
             <a:r>
-              <a:rPr lang="en-GB" sz="2000" b="1" dirty="0" smtClean="0">
+              <a:rPr lang="en-GB" sz="2000" b="1" dirty="0">
                 <a:solidFill>
                   <a:srgbClr val="336699"/>
                 </a:solidFill>
@@ -4525,12 +4434,8 @@
               <a:t>Question: </a:t>
             </a:r>
             <a:r>
-              <a:rPr lang="en-GB" sz="2000" dirty="0" smtClean="0"/>
-              <a:t>What </a:t>
-            </a:r>
-            <a:r>
               <a:rPr lang="en-GB" sz="2000" dirty="0"/>
-              <a:t>is the graduation area with less/more unemployment?</a:t>
+              <a:t>What is the graduation area with less/more unemployment?</a:t>
             </a:r>
             <a:endParaRPr lang="en-US" sz="2000" dirty="0"/>
           </a:p>
@@ -4544,8 +4449,8 @@
         </p:nvSpPr>
         <p:spPr>
           <a:xfrm>
-            <a:off x="755576" y="5662989"/>
-            <a:ext cx="7560840" cy="646331"/>
+            <a:off x="745231" y="5429927"/>
+            <a:ext cx="7920880" cy="923330"/>
           </a:xfrm>
           <a:prstGeom prst="rect">
             <a:avLst/>
@@ -4559,12 +4464,44 @@
           <a:p>
             <a:r>
               <a:rPr lang="en-US" dirty="0"/>
-              <a:t>Unemployment by graduation area. On “mouse over”, it will display the name and the unemployment %. On “click”, it will zoom that region</a:t>
+              <a:t>Unemployment by graduation area. </a:t>
+            </a:r>
+            <a:r>
+              <a:rPr lang="en-US" dirty="0"/>
+              <a:t>Sunburst areas are based on total number of unemployed people.</a:t>
+            </a:r>
+            <a:r>
+              <a:rPr lang="en-US" dirty="0"/>
+              <a:t> On “mouse over”, it will display the name and the unemployment %. On “click”, it will zoom that region</a:t>
             </a:r>
             <a:endParaRPr lang="pt-PT" dirty="0"/>
           </a:p>
         </p:txBody>
       </p:sp>
+      <p:pic>
+        <p:nvPicPr>
+          <p:cNvPr id="5" name="Imagem 4"/>
+          <p:cNvPicPr>
+            <a:picLocks noChangeAspect="1"/>
+          </p:cNvPicPr>
+          <p:nvPr/>
+        </p:nvPicPr>
+        <p:blipFill>
+          <a:blip r:embed="rId3"/>
+          <a:stretch>
+            <a:fillRect/>
+          </a:stretch>
+        </p:blipFill>
+        <p:spPr>
+          <a:xfrm>
+            <a:off x="899592" y="2385845"/>
+            <a:ext cx="6117967" cy="2843355"/>
+          </a:xfrm>
+          <a:prstGeom prst="rect">
+            <a:avLst/>
+          </a:prstGeom>
+        </p:spPr>
+      </p:pic>
     </p:spTree>
     <p:extLst>
       <p:ext uri="{BB962C8B-B14F-4D97-AF65-F5344CB8AC3E}">
@@ -4575,13 +4512,6 @@
   <p:clrMapOvr>
     <a:masterClrMapping/>
   </p:clrMapOvr>
-  <p:timing>
-    <p:tnLst>
-      <p:par>
-        <p:cTn id="1" dur="indefinite" restart="never" nodeType="tmRoot"/>
-      </p:par>
-    </p:tnLst>
-  </p:timing>
 </p:sld>
 </file>
 
@@ -4750,16 +4680,8 @@
           <a:p>
             <a:pPr lvl="0"/>
             <a:r>
-              <a:rPr lang="en-GB" sz="4000" dirty="0" smtClean="0"/>
-              <a:t>Course </a:t>
-            </a:r>
-            <a:r>
               <a:rPr lang="en-GB" sz="4000" dirty="0"/>
-              <a:t>Unemployment </a:t>
-            </a:r>
-            <a:r>
-              <a:rPr lang="en-GB" sz="4000" dirty="0" smtClean="0"/>
-              <a:t>%</a:t>
+              <a:t>Course Unemployment %</a:t>
             </a:r>
           </a:p>
           <a:p>
@@ -4767,21 +4689,13 @@
               <a:buFont typeface="Wingdings" panose="05000000000000000000" pitchFamily="2" charset="2"/>
               <a:buChar char="ü"/>
             </a:pPr>
-            <a:r>
-              <a:rPr lang="en-GB" b="0" dirty="0" smtClean="0">
-                <a:solidFill>
-                  <a:schemeClr val="tx1"/>
-                </a:solidFill>
-              </a:rPr>
-              <a:t>Encoded </a:t>
-            </a:r>
             <a:r>
               <a:rPr lang="en-GB" b="0" dirty="0">
                 <a:solidFill>
                   <a:schemeClr val="tx1"/>
                 </a:solidFill>
               </a:rPr>
-              <a:t>as </a:t>
+              <a:t>Encoded as </a:t>
             </a:r>
             <a:r>
               <a:rPr lang="en-GB" b="1" dirty="0">
@@ -4797,25 +4711,12 @@
                   <a:schemeClr val="tx1"/>
                 </a:solidFill>
               </a:rPr>
-              <a:t> in vertical </a:t>
-            </a:r>
-            <a:r>
-              <a:rPr lang="en-GB" b="0" dirty="0" smtClean="0">
-                <a:solidFill>
-                  <a:schemeClr val="tx1"/>
-                </a:solidFill>
-              </a:rPr>
-              <a:t>axis</a:t>
-            </a:r>
-            <a:endParaRPr lang="en-GB" b="0" dirty="0">
-              <a:solidFill>
-                <a:schemeClr val="tx1"/>
-              </a:solidFill>
-            </a:endParaRPr>
+              <a:t> in vertical axis</a:t>
+            </a:r>
           </a:p>
           <a:p>
             <a:pPr marL="0" indent="0"/>
-            <a:endParaRPr lang="en-GB" sz="800" dirty="0" smtClean="0"/>
+            <a:endParaRPr lang="en-GB" sz="800" dirty="0"/>
           </a:p>
           <a:p>
             <a:pPr marL="0" lvl="0" indent="0"/>
@@ -4843,28 +4744,19 @@
                   <a:schemeClr val="tx1"/>
                 </a:solidFill>
               </a:rPr>
-              <a:t>circle </a:t>
-            </a:r>
-            <a:r>
-              <a:rPr lang="en-GB" b="1" dirty="0" smtClean="0">
-                <a:solidFill>
-                  <a:schemeClr val="tx1"/>
-                </a:solidFill>
-              </a:rPr>
-              <a:t>area</a:t>
+              <a:t>circle area</a:t>
             </a:r>
           </a:p>
           <a:p>
             <a:pPr marL="400050" lvl="1" indent="0"/>
-            <a:endParaRPr lang="en-GB" sz="800" dirty="0" smtClean="0"/>
+            <a:endParaRPr lang="en-GB" sz="800" dirty="0"/>
           </a:p>
           <a:p>
             <a:pPr marL="0" indent="0"/>
             <a:r>
-              <a:rPr lang="en-GB" sz="4000" dirty="0" smtClean="0"/>
+              <a:rPr lang="en-GB" sz="4000" dirty="0"/>
               <a:t>Year</a:t>
             </a:r>
-            <a:endParaRPr lang="en-GB" sz="4000" dirty="0"/>
           </a:p>
           <a:p>
             <a:pPr marL="857250" lvl="1" indent="-457200">
@@ -4893,15 +4785,7 @@
                   <a:schemeClr val="tx1"/>
                 </a:solidFill>
               </a:rPr>
-              <a:t> in horizontal </a:t>
-            </a:r>
-            <a:r>
-              <a:rPr lang="en-GB" b="0" dirty="0" smtClean="0">
-                <a:solidFill>
-                  <a:schemeClr val="tx1"/>
-                </a:solidFill>
-              </a:rPr>
-              <a:t>axis</a:t>
+              <a:t> in horizontal axis</a:t>
             </a:r>
             <a:endParaRPr lang="pt-PT" b="0" dirty="0">
               <a:solidFill>
@@ -4988,12 +4872,8 @@
           <a:p>
             <a:pPr lvl="0"/>
             <a:r>
-              <a:rPr lang="en-GB" sz="4000" dirty="0" smtClean="0"/>
-              <a:t>Course/University </a:t>
-            </a:r>
-            <a:r>
               <a:rPr lang="en-GB" sz="4000" dirty="0"/>
-              <a:t>Name</a:t>
+              <a:t>Course/University Name</a:t>
             </a:r>
           </a:p>
           <a:p>
@@ -5015,15 +4895,7 @@
                   <a:schemeClr val="tx1"/>
                 </a:solidFill>
               </a:rPr>
-              <a:t>colours “hue</a:t>
-            </a:r>
-            <a:r>
-              <a:rPr lang="en-GB" b="1" dirty="0" smtClean="0">
-                <a:solidFill>
-                  <a:schemeClr val="tx1"/>
-                </a:solidFill>
-              </a:rPr>
-              <a:t>”</a:t>
+              <a:t>colours “hue”</a:t>
             </a:r>
             <a:r>
               <a:rPr lang="en-GB" dirty="0"/>
@@ -5031,11 +4903,7 @@
             </a:r>
             <a:r>
               <a:rPr lang="en-GB" b="1" dirty="0"/>
-              <a:t> </a:t>
-            </a:r>
-            <a:r>
-              <a:rPr lang="en-GB" b="1" dirty="0" smtClean="0"/>
-              <a:t>position</a:t>
+              <a:t> position</a:t>
             </a:r>
             <a:endParaRPr lang="pt-PT" sz="800" b="1" dirty="0">
               <a:solidFill>
@@ -5056,23 +4924,15 @@
               <a:buChar char="ü"/>
             </a:pPr>
             <a:r>
-              <a:rPr lang="en-GB" b="0" dirty="0" smtClean="0">
-                <a:solidFill>
-                  <a:schemeClr val="tx1"/>
-                </a:solidFill>
-              </a:rPr>
-              <a:t>Encoded </a:t>
-            </a:r>
-            <a:r>
               <a:rPr lang="en-GB" b="0" dirty="0">
                 <a:solidFill>
                   <a:schemeClr val="tx1"/>
                 </a:solidFill>
               </a:rPr>
-              <a:t>as </a:t>
-            </a:r>
-            <a:r>
-              <a:rPr lang="en-GB" b="1" dirty="0" smtClean="0">
+              <a:t>Encoded as </a:t>
+            </a:r>
+            <a:r>
+              <a:rPr lang="en-GB" b="1" dirty="0">
                 <a:solidFill>
                   <a:schemeClr val="tx1"/>
                 </a:solidFill>
@@ -5080,7 +4940,7 @@
               <a:t>position</a:t>
             </a:r>
             <a:r>
-              <a:rPr lang="en-GB" b="0" dirty="0" smtClean="0">
+              <a:rPr lang="en-GB" b="0" dirty="0">
                 <a:solidFill>
                   <a:schemeClr val="tx1"/>
                 </a:solidFill>
@@ -5092,11 +4952,7 @@
             <a:pPr lvl="0"/>
             <a:r>
               <a:rPr lang="en-GB" sz="4000" dirty="0"/>
-              <a:t>Course </a:t>
-            </a:r>
-            <a:r>
-              <a:rPr lang="en-GB" sz="4000" dirty="0"/>
-              <a:t>Area</a:t>
+              <a:t>Course Area</a:t>
             </a:r>
           </a:p>
           <a:p>
@@ -5106,11 +4962,7 @@
             </a:pPr>
             <a:r>
               <a:rPr lang="en-GB" dirty="0"/>
-              <a:t>Encoded </a:t>
-            </a:r>
-            <a:r>
-              <a:rPr lang="en-GB" dirty="0"/>
-              <a:t>as colour </a:t>
+              <a:t>Encoded as colour </a:t>
             </a:r>
             <a:r>
               <a:rPr lang="en-GB" b="1" dirty="0"/>
@@ -5122,11 +4974,7 @@
             <a:pPr lvl="0"/>
             <a:r>
               <a:rPr lang="en-GB" sz="4000" dirty="0"/>
-              <a:t>Area </a:t>
-            </a:r>
-            <a:r>
-              <a:rPr lang="en-GB" sz="4000" dirty="0"/>
-              <a:t>Unemployment</a:t>
+              <a:t>Area Unemployment [total]</a:t>
             </a:r>
           </a:p>
           <a:p>
@@ -5136,15 +4984,11 @@
             </a:pPr>
             <a:r>
               <a:rPr lang="en-GB" dirty="0"/>
-              <a:t>Encoded </a:t>
-            </a:r>
-            <a:r>
-              <a:rPr lang="en-GB" dirty="0"/>
-              <a:t>as </a:t>
+              <a:t>Encoded as </a:t>
             </a:r>
             <a:r>
               <a:rPr lang="en-GB" b="1" dirty="0"/>
-              <a:t>area</a:t>
+              <a:t>area in “Sunburst”</a:t>
             </a:r>
             <a:endParaRPr lang="pt-PT" b="1" dirty="0"/>
           </a:p>
@@ -5287,13 +5131,6 @@
   <p:clrMapOvr>
     <a:masterClrMapping/>
   </p:clrMapOvr>
-  <p:timing>
-    <p:tnLst>
-      <p:par>
-        <p:cTn id="1" dur="indefinite" restart="never" nodeType="tmRoot"/>
-      </p:par>
-    </p:tnLst>
-  </p:timing>
 </p:sld>
 </file>
 
@@ -5360,29 +5197,13 @@
           <a:lstStyle/>
           <a:p>
             <a:r>
-              <a:rPr lang="en-GB" dirty="0" smtClean="0"/>
-              <a:t>Compare </a:t>
-            </a:r>
-            <a:r>
               <a:rPr lang="en-GB" dirty="0"/>
-              <a:t>the unemployment (%) of different courses (regardless of course conclusion year of the graduates</a:t>
-            </a:r>
-            <a:r>
-              <a:rPr lang="en-GB" dirty="0" smtClean="0"/>
-              <a:t>) - </a:t>
-            </a:r>
-            <a:r>
-              <a:rPr lang="en-GB" dirty="0"/>
-              <a:t>Query-&gt;</a:t>
-            </a:r>
-            <a:r>
-              <a:rPr lang="en-GB" dirty="0" smtClean="0"/>
-              <a:t>Compare</a:t>
+              <a:t>Compare the unemployment (%) of different courses (regardless of course conclusion year of the graduates) - Query-&gt;Compare</a:t>
             </a:r>
             <a:endParaRPr lang="en-US" dirty="0"/>
           </a:p>
           <a:p>
-            <a:endParaRPr lang="en-US" sz="2000" b="0" dirty="0" smtClean="0">
+            <a:endParaRPr lang="en-US" sz="2000" b="0" dirty="0">
               <a:solidFill>
                 <a:schemeClr val="tx1"/>
               </a:solidFill>
@@ -5450,7 +5271,7 @@
           <a:lstStyle/>
           <a:p>
             <a:r>
-              <a:rPr lang="en-GB" sz="2000" b="1" dirty="0" smtClean="0">
+              <a:rPr lang="en-GB" sz="2000" b="1" dirty="0">
                 <a:solidFill>
                   <a:srgbClr val="336699"/>
                 </a:solidFill>
@@ -5459,11 +5280,7 @@
             </a:r>
             <a:r>
               <a:rPr lang="en-GB" sz="2000" dirty="0"/>
-              <a:t>Does Computer Science graduates in IST have more unemployment, in 2015, than Computer Science in FCUL? And in </a:t>
-            </a:r>
-            <a:r>
-              <a:rPr lang="en-GB" sz="2000" dirty="0" smtClean="0"/>
-              <a:t>2007?</a:t>
+              <a:t>Does Computer Science graduates in IST have more unemployment, in 2015, than Computer Science in FCUL? And in 2007?</a:t>
             </a:r>
             <a:endParaRPr lang="en-US" sz="2000" dirty="0"/>
           </a:p>
@@ -5493,13 +5310,8 @@
           <a:p>
             <a:r>
               <a:rPr lang="en-US" sz="1400" dirty="0"/>
-              <a:t>Due to interaction we can add more courses to the line chart and compare them</a:t>
-            </a:r>
-            <a:r>
-              <a:rPr lang="en-US" sz="1400" dirty="0" smtClean="0"/>
-              <a:t>.</a:t>
-            </a:r>
-            <a:endParaRPr lang="en-US" sz="1400" dirty="0"/>
+              <a:t>Due to interaction we can add more courses to the line chart and compare them.</a:t>
+            </a:r>
           </a:p>
         </p:txBody>
       </p:sp>
@@ -5513,13 +5325,6 @@
   <p:clrMapOvr>
     <a:masterClrMapping/>
   </p:clrMapOvr>
-  <p:timing>
-    <p:tnLst>
-      <p:par>
-        <p:cTn id="1" dur="indefinite" restart="never" nodeType="tmRoot"/>
-      </p:par>
-    </p:tnLst>
-  </p:timing>
 </p:sld>
 </file>
 
@@ -5586,32 +5391,8 @@
           <a:lstStyle/>
           <a:p>
             <a:r>
-              <a:rPr lang="en-GB" dirty="0" smtClean="0"/>
-              <a:t>Present </a:t>
-            </a:r>
-            <a:r>
               <a:rPr lang="en-GB" dirty="0"/>
-              <a:t>the information about unemployment (%) from a specific course graduates across </a:t>
-            </a:r>
-            <a:r>
-              <a:rPr lang="en-GB" dirty="0" smtClean="0"/>
-              <a:t>time</a:t>
-            </a:r>
-            <a:r>
-              <a:rPr lang="en-GB" dirty="0"/>
-              <a:t> </a:t>
-            </a:r>
-            <a:r>
-              <a:rPr lang="en-GB" dirty="0" smtClean="0"/>
-              <a:t>- </a:t>
-            </a:r>
-            <a:r>
-              <a:rPr lang="en-GB" dirty="0" smtClean="0"/>
-              <a:t>Analyse-</a:t>
-            </a:r>
-            <a:r>
-              <a:rPr lang="en-GB" dirty="0"/>
-              <a:t>&gt;Consume-&gt;Present</a:t>
+              <a:t>Present the information about unemployment (%) from a specific course graduates across time - Analyse-&gt;Consume-&gt;Present</a:t>
             </a:r>
             <a:endParaRPr lang="en-US" dirty="0"/>
           </a:p>
@@ -5670,7 +5451,7 @@
           <a:lstStyle/>
           <a:p>
             <a:r>
-              <a:rPr lang="en-GB" sz="2000" b="1" dirty="0" smtClean="0">
+              <a:rPr lang="en-GB" sz="2000" b="1" dirty="0">
                 <a:solidFill>
                   <a:srgbClr val="336699"/>
                 </a:solidFill>
@@ -5679,11 +5460,7 @@
             </a:r>
             <a:r>
               <a:rPr lang="en-GB" sz="2000" dirty="0"/>
-              <a:t>Is Computer Science in IST having less unemployed graduates in last year’s? Is Computer Science in IST having less unemployed graduates in last year’s</a:t>
-            </a:r>
-            <a:r>
-              <a:rPr lang="en-GB" sz="2000" dirty="0" smtClean="0"/>
-              <a:t>?</a:t>
+              <a:t>Is Computer Science in IST having less unemployed graduates in last year’s? Is Computer Science in IST having less unemployed graduates in last year’s?</a:t>
             </a:r>
             <a:endParaRPr lang="en-US" sz="2000" dirty="0"/>
           </a:p>
@@ -5712,7 +5489,7 @@
           <a:lstStyle/>
           <a:p>
             <a:r>
-              <a:rPr lang="en-GB" sz="2000" b="1" dirty="0" smtClean="0">
+              <a:rPr lang="en-GB" sz="2000" b="1" dirty="0">
                 <a:solidFill>
                   <a:srgbClr val="336699"/>
                 </a:solidFill>
@@ -5720,16 +5497,8 @@
               <a:t>Question: </a:t>
             </a:r>
             <a:r>
-              <a:rPr lang="en-GB" sz="2000" dirty="0" smtClean="0"/>
-              <a:t>What </a:t>
-            </a:r>
-            <a:r>
               <a:rPr lang="en-GB" sz="2000" dirty="0"/>
-              <a:t>was the year which had less unemployed people from Computer Science in IST</a:t>
-            </a:r>
-            <a:r>
-              <a:rPr lang="en-GB" sz="2000" dirty="0" smtClean="0"/>
-              <a:t>?</a:t>
+              <a:t>What was the year which had less unemployed people from Computer Science in IST?</a:t>
             </a:r>
             <a:endParaRPr lang="en-US" sz="2000" dirty="0"/>
           </a:p>
@@ -5774,13 +5543,6 @@
   <p:clrMapOvr>
     <a:masterClrMapping/>
   </p:clrMapOvr>
-  <p:timing>
-    <p:tnLst>
-      <p:par>
-        <p:cTn id="1" dur="indefinite" restart="never" nodeType="tmRoot"/>
-      </p:par>
-    </p:tnLst>
-  </p:timing>
 </p:sld>
 </file>
 
@@ -5818,11 +5580,7 @@
           <a:p>
             <a:r>
               <a:rPr lang="en-US" dirty="0"/>
-              <a:t>Task </a:t>
-            </a:r>
-            <a:r>
-              <a:rPr lang="en-US" dirty="0" smtClean="0"/>
-              <a:t>1 &amp; 2</a:t>
+              <a:t>Task 1 &amp; 2</a:t>
             </a:r>
             <a:endParaRPr lang="pt-PT" dirty="0"/>
           </a:p>
@@ -5882,21 +5640,13 @@
           <a:p>
             <a:r>
               <a:rPr lang="en-US" sz="2000" dirty="0"/>
-              <a:t>It’s possible to select a course line and highlight the course in the other </a:t>
-            </a:r>
-            <a:r>
-              <a:rPr lang="en-US" sz="2000" dirty="0" smtClean="0"/>
-              <a:t>views.</a:t>
-            </a:r>
-          </a:p>
-          <a:p>
-            <a:r>
-              <a:rPr lang="en-US" sz="2000" dirty="0" smtClean="0"/>
-              <a:t>Ex</a:t>
-            </a:r>
+              <a:t>It’s possible to select a course line and highlight the course in the other views.</a:t>
+            </a:r>
+          </a:p>
+          <a:p>
             <a:r>
               <a:rPr lang="en-US" sz="2000" dirty="0"/>
-              <a:t>: Highlight the course dot in the next presented idiom</a:t>
+              <a:t>Ex: Highlight the course dot in the next presented idiom</a:t>
             </a:r>
             <a:endParaRPr lang="pt-PT" sz="2000" dirty="0"/>
           </a:p>
@@ -5912,13 +5662,6 @@
   <p:clrMapOvr>
     <a:masterClrMapping/>
   </p:clrMapOvr>
-  <p:timing>
-    <p:tnLst>
-      <p:par>
-        <p:cTn id="1" dur="indefinite" restart="never" nodeType="tmRoot"/>
-      </p:par>
-    </p:tnLst>
-  </p:timing>
 </p:sld>
 </file>
 
@@ -5956,11 +5699,7 @@
           <a:p>
             <a:r>
               <a:rPr lang="en-US" dirty="0"/>
-              <a:t>Task </a:t>
-            </a:r>
-            <a:r>
-              <a:rPr lang="en-US" dirty="0" smtClean="0"/>
-              <a:t>3</a:t>
+              <a:t>Task 3</a:t>
             </a:r>
             <a:endParaRPr lang="pt-PT" dirty="0"/>
           </a:p>
@@ -5989,24 +5728,8 @@
           <a:lstStyle/>
           <a:p>
             <a:r>
-              <a:rPr lang="en-GB" dirty="0" smtClean="0"/>
-              <a:t>Identify </a:t>
-            </a:r>
-            <a:r>
               <a:rPr lang="en-GB" dirty="0"/>
-              <a:t>the university with more unemployment </a:t>
-            </a:r>
-            <a:r>
-              <a:rPr lang="en-GB" dirty="0" smtClean="0"/>
-              <a:t>(%) - </a:t>
-            </a:r>
-            <a:r>
-              <a:rPr lang="en-GB" dirty="0"/>
-              <a:t>Query-&gt;</a:t>
-            </a:r>
-            <a:r>
-              <a:rPr lang="en-GB" dirty="0" smtClean="0"/>
-              <a:t>Identify</a:t>
+              <a:t>Identify the university with more unemployment (%) - Query-&gt;Identify</a:t>
             </a:r>
             <a:endParaRPr lang="en-US" dirty="0"/>
           </a:p>
@@ -6035,7 +5758,7 @@
           <a:lstStyle/>
           <a:p>
             <a:r>
-              <a:rPr lang="en-GB" sz="2000" b="1" dirty="0" smtClean="0">
+              <a:rPr lang="en-GB" sz="2000" b="1" dirty="0">
                 <a:solidFill>
                   <a:srgbClr val="336699"/>
                 </a:solidFill>
@@ -6073,11 +5796,7 @@
           <a:p>
             <a:r>
               <a:rPr lang="en-GB" sz="1400" dirty="0"/>
-              <a:t>Sort the universities in ascending and descending order to give user both perspectives of the </a:t>
-            </a:r>
-            <a:r>
-              <a:rPr lang="en-GB" sz="1400" dirty="0" smtClean="0"/>
-              <a:t>data</a:t>
+              <a:t>Sort the universities in ascending and descending order to give user both perspectives of the data</a:t>
             </a:r>
             <a:endParaRPr lang="pt-PT" sz="1400" dirty="0"/>
           </a:p>
@@ -6153,13 +5872,6 @@
   <p:clrMapOvr>
     <a:masterClrMapping/>
   </p:clrMapOvr>
-  <p:timing>
-    <p:tnLst>
-      <p:par>
-        <p:cTn id="1" dur="indefinite" restart="never" nodeType="tmRoot"/>
-      </p:par>
-    </p:tnLst>
-  </p:timing>
 </p:sld>
 </file>
 

--- a/III-Checkpoint/III-Checkpoint Presentation.pptx
+++ b/III-Checkpoint/III-Checkpoint Presentation.pptx
@@ -5,10 +5,10 @@
     <p:sldMasterId id="2147483648" r:id="rId1"/>
   </p:sldMasterIdLst>
   <p:notesMasterIdLst>
-    <p:notesMasterId r:id="rId14"/>
+    <p:notesMasterId r:id="rId15"/>
   </p:notesMasterIdLst>
   <p:handoutMasterIdLst>
-    <p:handoutMasterId r:id="rId15"/>
+    <p:handoutMasterId r:id="rId16"/>
   </p:handoutMasterIdLst>
   <p:sldIdLst>
     <p:sldId id="256" r:id="rId2"/>
@@ -20,9 +20,10 @@
     <p:sldId id="1110" r:id="rId8"/>
     <p:sldId id="1112" r:id="rId9"/>
     <p:sldId id="1114" r:id="rId10"/>
-    <p:sldId id="1113" r:id="rId11"/>
-    <p:sldId id="1115" r:id="rId12"/>
-    <p:sldId id="1116" r:id="rId13"/>
+    <p:sldId id="1117" r:id="rId11"/>
+    <p:sldId id="1113" r:id="rId12"/>
+    <p:sldId id="1115" r:id="rId13"/>
+    <p:sldId id="1116" r:id="rId14"/>
   </p:sldIdLst>
   <p:sldSz cx="9144000" cy="6858000" type="screen4x3"/>
   <p:notesSz cx="6858000" cy="9144000"/>
@@ -123,7 +124,7 @@
   </p:defaultTextStyle>
   <p:extLst>
     <p:ext uri="{EFAFB233-063F-42B5-8137-9DF3F51BA10A}">
-      <p15:sldGuideLst xmlns:p15="http://schemas.microsoft.com/office/powerpoint/2012/main">
+      <p15:sldGuideLst xmlns="" xmlns:p15="http://schemas.microsoft.com/office/powerpoint/2012/main">
         <p15:guide id="1" orient="horz" pos="2160">
           <p15:clr>
             <a:srgbClr val="A4A3A4"/>
@@ -222,7 +223,7 @@
           <a:p>
             <a:fld id="{745C36E7-9E00-462E-80A3-32F2BE615C7A}" type="datetimeFigureOut">
               <a:rPr lang="en-US" smtClean="0"/>
-              <a:t>11/3/2016</a:t>
+              <a:t>11/4/2016</a:t>
             </a:fld>
             <a:endParaRPr lang="en-US"/>
           </a:p>
@@ -288,7 +289,7 @@
           <a:p>
             <a:fld id="{C7B702CB-D988-47C5-8204-95032A6A7C26}" type="slidenum">
               <a:rPr lang="en-US" smtClean="0"/>
-              <a:t>‹nº›</a:t>
+              <a:t>‹#›</a:t>
             </a:fld>
             <a:endParaRPr lang="en-US"/>
           </a:p>
@@ -388,7 +389,7 @@
             <a:fld id="{01F3E309-ED8D-4193-99AF-E5EA90965E98}" type="datetimeFigureOut">
               <a:rPr lang="en-US" smtClean="0"/>
               <a:pPr/>
-              <a:t>11/3/2016</a:t>
+              <a:t>11/4/2016</a:t>
             </a:fld>
             <a:endParaRPr lang="en-US"/>
           </a:p>
@@ -549,7 +550,7 @@
             <a:fld id="{F535F173-C1DD-4975-94BF-5B9ED67F7674}" type="slidenum">
               <a:rPr lang="en-US" smtClean="0"/>
               <a:pPr/>
-              <a:t>‹nº›</a:t>
+              <a:t>‹#›</a:t>
             </a:fld>
             <a:endParaRPr lang="en-US"/>
           </a:p>
@@ -828,6 +829,91 @@
 </p:notes>
 </file>
 
+<file path=ppt/notesSlides/notesSlide11.xml><?xml version="1.0" encoding="utf-8"?>
+<p:notes xmlns:a="http://schemas.openxmlformats.org/drawingml/2006/main" xmlns:r="http://schemas.openxmlformats.org/officeDocument/2006/relationships" xmlns:p="http://schemas.openxmlformats.org/presentationml/2006/main">
+  <p:cSld>
+    <p:spTree>
+      <p:nvGrpSpPr>
+        <p:cNvPr id="1" name=""/>
+        <p:cNvGrpSpPr/>
+        <p:nvPr/>
+      </p:nvGrpSpPr>
+      <p:grpSpPr>
+        <a:xfrm>
+          <a:off x="0" y="0"/>
+          <a:ext cx="0" cy="0"/>
+          <a:chOff x="0" y="0"/>
+          <a:chExt cx="0" cy="0"/>
+        </a:xfrm>
+      </p:grpSpPr>
+      <p:sp>
+        <p:nvSpPr>
+          <p:cNvPr id="2" name="Slide Image Placeholder 1"/>
+          <p:cNvSpPr>
+            <a:spLocks noGrp="1" noRot="1" noChangeAspect="1"/>
+          </p:cNvSpPr>
+          <p:nvPr>
+            <p:ph type="sldImg"/>
+          </p:nvPr>
+        </p:nvSpPr>
+        <p:spPr/>
+      </p:sp>
+      <p:sp>
+        <p:nvSpPr>
+          <p:cNvPr id="3" name="Notes Placeholder 2"/>
+          <p:cNvSpPr>
+            <a:spLocks noGrp="1"/>
+          </p:cNvSpPr>
+          <p:nvPr>
+            <p:ph type="body" idx="1"/>
+          </p:nvPr>
+        </p:nvSpPr>
+        <p:spPr/>
+        <p:txBody>
+          <a:bodyPr/>
+          <a:lstStyle/>
+          <a:p>
+            <a:endParaRPr lang="en-US" baseline="0" dirty="0"/>
+          </a:p>
+        </p:txBody>
+      </p:sp>
+      <p:sp>
+        <p:nvSpPr>
+          <p:cNvPr id="4" name="Slide Number Placeholder 3"/>
+          <p:cNvSpPr>
+            <a:spLocks noGrp="1"/>
+          </p:cNvSpPr>
+          <p:nvPr>
+            <p:ph type="sldNum" sz="quarter" idx="10"/>
+          </p:nvPr>
+        </p:nvSpPr>
+        <p:spPr/>
+        <p:txBody>
+          <a:bodyPr/>
+          <a:lstStyle/>
+          <a:p>
+            <a:fld id="{F535F173-C1DD-4975-94BF-5B9ED67F7674}" type="slidenum">
+              <a:rPr lang="en-US" smtClean="0"/>
+              <a:pPr/>
+              <a:t>13</a:t>
+            </a:fld>
+            <a:endParaRPr lang="en-US"/>
+          </a:p>
+        </p:txBody>
+      </p:sp>
+    </p:spTree>
+    <p:extLst>
+      <p:ext uri="{BB962C8B-B14F-4D97-AF65-F5344CB8AC3E}">
+        <p14:creationId xmlns:p14="http://schemas.microsoft.com/office/powerpoint/2010/main" val="1355792998"/>
+      </p:ext>
+    </p:extLst>
+  </p:cSld>
+  <p:clrMapOvr>
+    <a:masterClrMapping/>
+  </p:clrMapOvr>
+</p:notes>
+</file>
+
 <file path=ppt/notesSlides/notesSlide2.xml><?xml version="1.0" encoding="utf-8"?>
 <p:notes xmlns:a="http://schemas.openxmlformats.org/drawingml/2006/main" xmlns:r="http://schemas.openxmlformats.org/officeDocument/2006/relationships" xmlns:p="http://schemas.openxmlformats.org/presentationml/2006/main">
   <p:cSld>
@@ -2000,7 +2086,7 @@
             <a:fld id="{F3CC9924-33BC-4796-B0F9-D37DB5D899BF}" type="datetimeFigureOut">
               <a:rPr lang="pt-PT" smtClean="0"/>
               <a:pPr/>
-              <a:t>03/11/2016</a:t>
+              <a:t>04-11-2016</a:t>
             </a:fld>
             <a:endParaRPr lang="pt-PT"/>
           </a:p>
@@ -2059,7 +2145,7 @@
             <a:fld id="{B5EBF8D4-C87A-47B7-9996-84452461937B}" type="slidenum">
               <a:rPr lang="pt-PT" smtClean="0"/>
               <a:pPr/>
-              <a:t>‹nº›</a:t>
+              <a:t>‹#›</a:t>
             </a:fld>
             <a:endParaRPr lang="pt-PT"/>
           </a:p>
@@ -3734,6 +3820,10 @@
               <a:rPr lang="pt-PT" sz="4800" b="1" dirty="0" err="1"/>
               <a:t>Visualization</a:t>
             </a:r>
+            <a:r>
+              <a:rPr lang="pt-PT" sz="4800" b="1" dirty="0"/>
+              <a:t/>
+            </a:r>
             <a:br>
               <a:rPr lang="pt-PT" sz="4800" b="1" dirty="0"/>
             </a:br>
@@ -3984,10 +4074,177 @@
   <p:clrMapOvr>
     <a:masterClrMapping/>
   </p:clrMapOvr>
+  <p:timing>
+    <p:tnLst>
+      <p:par>
+        <p:cTn id="1" dur="indefinite" restart="never" nodeType="tmRoot"/>
+      </p:par>
+    </p:tnLst>
+  </p:timing>
 </p:sld>
 </file>
 
 <file path=ppt/slides/slide10.xml><?xml version="1.0" encoding="utf-8"?>
+<p:sld xmlns:a="http://schemas.openxmlformats.org/drawingml/2006/main" xmlns:r="http://schemas.openxmlformats.org/officeDocument/2006/relationships" xmlns:p="http://schemas.openxmlformats.org/presentationml/2006/main">
+  <p:cSld>
+    <p:spTree>
+      <p:nvGrpSpPr>
+        <p:cNvPr id="1" name=""/>
+        <p:cNvGrpSpPr/>
+        <p:nvPr/>
+      </p:nvGrpSpPr>
+      <p:grpSpPr>
+        <a:xfrm>
+          <a:off x="0" y="0"/>
+          <a:ext cx="0" cy="0"/>
+          <a:chOff x="0" y="0"/>
+          <a:chExt cx="0" cy="0"/>
+        </a:xfrm>
+      </p:grpSpPr>
+      <p:sp>
+        <p:nvSpPr>
+          <p:cNvPr id="2" name="Title 1"/>
+          <p:cNvSpPr>
+            <a:spLocks noGrp="1"/>
+          </p:cNvSpPr>
+          <p:nvPr>
+            <p:ph type="title"/>
+          </p:nvPr>
+        </p:nvSpPr>
+        <p:spPr/>
+        <p:txBody>
+          <a:bodyPr/>
+          <a:lstStyle/>
+          <a:p>
+            <a:r>
+              <a:rPr lang="en-US" dirty="0"/>
+              <a:t>Task 3</a:t>
+            </a:r>
+            <a:endParaRPr lang="pt-PT" dirty="0"/>
+          </a:p>
+        </p:txBody>
+      </p:sp>
+      <p:pic>
+        <p:nvPicPr>
+          <p:cNvPr id="9" name="Imagem 1" descr="C:\ProgrammingWorkspace\OtherWorkspace\VI-Project\III-Checkpoint\BertinMatrix1.png"/>
+          <p:cNvPicPr/>
+          <p:nvPr/>
+        </p:nvPicPr>
+        <p:blipFill>
+          <a:blip r:embed="rId3"/>
+          <a:srcRect/>
+          <a:stretch>
+            <a:fillRect/>
+          </a:stretch>
+        </p:blipFill>
+        <p:spPr bwMode="auto">
+          <a:xfrm>
+            <a:off x="539552" y="1340768"/>
+            <a:ext cx="4968552" cy="3096344"/>
+          </a:xfrm>
+          <a:prstGeom prst="rect">
+            <a:avLst/>
+          </a:prstGeom>
+          <a:noFill/>
+          <a:ln w="9525">
+            <a:noFill/>
+            <a:miter lim="800000"/>
+            <a:headEnd/>
+            <a:tailEnd/>
+          </a:ln>
+        </p:spPr>
+      </p:pic>
+      <p:sp>
+        <p:nvSpPr>
+          <p:cNvPr id="5" name="Rectangle 4"/>
+          <p:cNvSpPr/>
+          <p:nvPr/>
+        </p:nvSpPr>
+        <p:spPr>
+          <a:xfrm>
+            <a:off x="5662397" y="2150276"/>
+            <a:ext cx="2798035" cy="1754326"/>
+          </a:xfrm>
+          <a:prstGeom prst="rect">
+            <a:avLst/>
+          </a:prstGeom>
+        </p:spPr>
+        <p:txBody>
+          <a:bodyPr wrap="square">
+            <a:spAutoFit/>
+          </a:bodyPr>
+          <a:lstStyle/>
+          <a:p>
+            <a:r>
+              <a:rPr lang="en-GB" dirty="0" smtClean="0"/>
+              <a:t>We </a:t>
+            </a:r>
+            <a:r>
+              <a:rPr lang="en-GB" dirty="0"/>
+              <a:t>don’t have in our tasks nothing related to the university unemployment trends but we this approach we can see that in the matrix.</a:t>
+            </a:r>
+            <a:endParaRPr lang="pt-PT" dirty="0"/>
+          </a:p>
+        </p:txBody>
+      </p:sp>
+      <p:sp>
+        <p:nvSpPr>
+          <p:cNvPr id="6" name="Rectangle 5"/>
+          <p:cNvSpPr/>
+          <p:nvPr/>
+        </p:nvSpPr>
+        <p:spPr>
+          <a:xfrm>
+            <a:off x="539552" y="4869160"/>
+            <a:ext cx="7920880" cy="1477328"/>
+          </a:xfrm>
+          <a:prstGeom prst="rect">
+            <a:avLst/>
+          </a:prstGeom>
+        </p:spPr>
+        <p:txBody>
+          <a:bodyPr wrap="square">
+            <a:spAutoFit/>
+          </a:bodyPr>
+          <a:lstStyle/>
+          <a:p>
+            <a:r>
+              <a:rPr lang="en-GB" b="1" dirty="0" smtClean="0"/>
+              <a:t>Note: </a:t>
+            </a:r>
+            <a:r>
+              <a:rPr lang="en-GB" dirty="0" smtClean="0"/>
+              <a:t>The </a:t>
+            </a:r>
+            <a:r>
+              <a:rPr lang="en-GB" dirty="0"/>
+              <a:t>matrix will not contain all the universities because they are more than 200, the bottom universities in matrix will have smaller lines and will fade. But it will be possible to scroll, reorder and select a particular one as stated above. It will possible to have “tooltips” to each circle and see more details about the data that originated that one ex: Total unemployed and total graduates.</a:t>
+            </a:r>
+            <a:endParaRPr lang="pt-PT" dirty="0"/>
+          </a:p>
+        </p:txBody>
+      </p:sp>
+    </p:spTree>
+    <p:extLst>
+      <p:ext uri="{BB962C8B-B14F-4D97-AF65-F5344CB8AC3E}">
+        <p14:creationId xmlns:p14="http://schemas.microsoft.com/office/powerpoint/2010/main" val="675626884"/>
+      </p:ext>
+    </p:extLst>
+  </p:cSld>
+  <p:clrMapOvr>
+    <a:masterClrMapping/>
+  </p:clrMapOvr>
+  <p:timing>
+    <p:tnLst>
+      <p:par>
+        <p:cTn id="1" dur="indefinite" restart="never" nodeType="tmRoot"/>
+      </p:par>
+    </p:tnLst>
+  </p:timing>
+</p:sld>
+</file>
+
+<file path=ppt/slides/slide11.xml><?xml version="1.0" encoding="utf-8"?>
 <p:sld xmlns:a="http://schemas.openxmlformats.org/drawingml/2006/main" xmlns:r="http://schemas.openxmlformats.org/officeDocument/2006/relationships" xmlns:p="http://schemas.openxmlformats.org/presentationml/2006/main">
   <p:cSld>
     <p:spTree>
@@ -4143,10 +4400,17 @@
   <p:clrMapOvr>
     <a:masterClrMapping/>
   </p:clrMapOvr>
+  <p:timing>
+    <p:tnLst>
+      <p:par>
+        <p:cTn id="1" dur="indefinite" restart="never" nodeType="tmRoot"/>
+      </p:par>
+    </p:tnLst>
+  </p:timing>
 </p:sld>
 </file>
 
-<file path=ppt/slides/slide11.xml><?xml version="1.0" encoding="utf-8"?>
+<file path=ppt/slides/slide12.xml><?xml version="1.0" encoding="utf-8"?>
 <p:sld xmlns:a="http://schemas.openxmlformats.org/drawingml/2006/main" xmlns:r="http://schemas.openxmlformats.org/officeDocument/2006/relationships" xmlns:p="http://schemas.openxmlformats.org/presentationml/2006/main">
   <p:cSld>
     <p:spTree>
@@ -4330,10 +4594,17 @@
   <p:clrMapOvr>
     <a:masterClrMapping/>
   </p:clrMapOvr>
+  <p:timing>
+    <p:tnLst>
+      <p:par>
+        <p:cTn id="1" dur="indefinite" restart="never" nodeType="tmRoot"/>
+      </p:par>
+    </p:tnLst>
+  </p:timing>
 </p:sld>
 </file>
 
-<file path=ppt/slides/slide12.xml><?xml version="1.0" encoding="utf-8"?>
+<file path=ppt/slides/slide13.xml><?xml version="1.0" encoding="utf-8"?>
 <p:sld xmlns:a="http://schemas.openxmlformats.org/drawingml/2006/main" xmlns:r="http://schemas.openxmlformats.org/officeDocument/2006/relationships" xmlns:p="http://schemas.openxmlformats.org/presentationml/2006/main">
   <p:cSld>
     <p:spTree>
@@ -4411,7 +4682,7 @@
         </p:nvSpPr>
         <p:spPr>
           <a:xfrm>
-            <a:off x="4860032" y="4213537"/>
+            <a:off x="4860032" y="4077072"/>
             <a:ext cx="3816424" cy="1015663"/>
           </a:xfrm>
           <a:prstGeom prst="rect">
@@ -4464,15 +4735,7 @@
           <a:p>
             <a:r>
               <a:rPr lang="en-US" dirty="0"/>
-              <a:t>Unemployment by graduation area. </a:t>
-            </a:r>
-            <a:r>
-              <a:rPr lang="en-US" dirty="0"/>
-              <a:t>Sunburst areas are based on total number of unemployed people.</a:t>
-            </a:r>
-            <a:r>
-              <a:rPr lang="en-US" dirty="0"/>
-              <a:t> On “mouse over”, it will display the name and the unemployment %. On “click”, it will zoom that region</a:t>
+              <a:t>Unemployment by graduation area. Sunburst areas are based on total number of unemployed people. On “mouse over”, it will display the name and the unemployment %. On “click”, it will zoom that region</a:t>
             </a:r>
             <a:endParaRPr lang="pt-PT" dirty="0"/>
           </a:p>
@@ -4512,6 +4775,13 @@
   <p:clrMapOvr>
     <a:masterClrMapping/>
   </p:clrMapOvr>
+  <p:timing>
+    <p:tnLst>
+      <p:par>
+        <p:cTn id="1" dur="indefinite" restart="never" nodeType="tmRoot"/>
+      </p:par>
+    </p:tnLst>
+  </p:timing>
 </p:sld>
 </file>
 
@@ -4618,6 +4888,13 @@
   <p:clrMapOvr>
     <a:masterClrMapping/>
   </p:clrMapOvr>
+  <p:timing>
+    <p:tnLst>
+      <p:par>
+        <p:cTn id="1" dur="indefinite" restart="never" nodeType="tmRoot"/>
+      </p:par>
+    </p:tnLst>
+  </p:timing>
 </p:sld>
 </file>
 
@@ -4805,6 +5082,13 @@
   <p:clrMapOvr>
     <a:masterClrMapping/>
   </p:clrMapOvr>
+  <p:timing>
+    <p:tnLst>
+      <p:par>
+        <p:cTn id="1" dur="indefinite" restart="never" nodeType="tmRoot"/>
+      </p:par>
+    </p:tnLst>
+  </p:timing>
 </p:sld>
 </file>
 
@@ -5004,6 +5288,13 @@
   <p:clrMapOvr>
     <a:masterClrMapping/>
   </p:clrMapOvr>
+  <p:timing>
+    <p:tnLst>
+      <p:par>
+        <p:cTn id="1" dur="indefinite" restart="never" nodeType="tmRoot"/>
+      </p:par>
+    </p:tnLst>
+  </p:timing>
 </p:sld>
 </file>
 
@@ -5131,6 +5422,13 @@
   <p:clrMapOvr>
     <a:masterClrMapping/>
   </p:clrMapOvr>
+  <p:timing>
+    <p:tnLst>
+      <p:par>
+        <p:cTn id="1" dur="indefinite" restart="never" nodeType="tmRoot"/>
+      </p:par>
+    </p:tnLst>
+  </p:timing>
 </p:sld>
 </file>
 
@@ -5325,6 +5623,13 @@
   <p:clrMapOvr>
     <a:masterClrMapping/>
   </p:clrMapOvr>
+  <p:timing>
+    <p:tnLst>
+      <p:par>
+        <p:cTn id="1" dur="indefinite" restart="never" nodeType="tmRoot"/>
+      </p:par>
+    </p:tnLst>
+  </p:timing>
 </p:sld>
 </file>
 
@@ -5543,6 +5848,13 @@
   <p:clrMapOvr>
     <a:masterClrMapping/>
   </p:clrMapOvr>
+  <p:timing>
+    <p:tnLst>
+      <p:par>
+        <p:cTn id="1" dur="indefinite" restart="never" nodeType="tmRoot"/>
+      </p:par>
+    </p:tnLst>
+  </p:timing>
 </p:sld>
 </file>
 
@@ -5662,6 +5974,13 @@
   <p:clrMapOvr>
     <a:masterClrMapping/>
   </p:clrMapOvr>
+  <p:timing>
+    <p:tnLst>
+      <p:par>
+        <p:cTn id="1" dur="indefinite" restart="never" nodeType="tmRoot"/>
+      </p:par>
+    </p:tnLst>
+  </p:timing>
 </p:sld>
 </file>
 
@@ -5737,14 +6056,14 @@
       </p:sp>
       <p:sp>
         <p:nvSpPr>
-          <p:cNvPr id="5" name="TextBox 4"/>
+          <p:cNvPr id="10" name="TextBox 9"/>
           <p:cNvSpPr txBox="1"/>
           <p:nvPr/>
         </p:nvSpPr>
         <p:spPr>
           <a:xfrm>
-            <a:off x="1107511" y="5517232"/>
-            <a:ext cx="6928975" cy="400110"/>
+            <a:off x="4788024" y="2505090"/>
+            <a:ext cx="3672408" cy="707886"/>
           </a:xfrm>
           <a:prstGeom prst="rect">
             <a:avLst/>
@@ -5758,7 +6077,7 @@
           <a:lstStyle/>
           <a:p>
             <a:r>
-              <a:rPr lang="en-GB" sz="2000" b="1" dirty="0">
+              <a:rPr lang="en-GB" sz="2000" b="1" dirty="0" smtClean="0">
                 <a:solidFill>
                   <a:srgbClr val="336699"/>
                 </a:solidFill>
@@ -5775,14 +6094,14 @@
       </p:sp>
       <p:sp>
         <p:nvSpPr>
-          <p:cNvPr id="7" name="Rectangle 6"/>
+          <p:cNvPr id="11" name="Rectangle 10"/>
           <p:cNvSpPr/>
           <p:nvPr/>
         </p:nvSpPr>
         <p:spPr>
           <a:xfrm>
-            <a:off x="899592" y="4778358"/>
-            <a:ext cx="8257196" cy="307777"/>
+            <a:off x="4794222" y="3356992"/>
+            <a:ext cx="3666210" cy="1323439"/>
           </a:xfrm>
           <a:prstGeom prst="rect">
             <a:avLst/>
@@ -5795,16 +6114,20 @@
           <a:lstStyle/>
           <a:p>
             <a:r>
-              <a:rPr lang="en-GB" sz="1400" dirty="0"/>
-              <a:t>Sort the universities in ascending and descending order to give user both perspectives of the data</a:t>
-            </a:r>
-            <a:endParaRPr lang="pt-PT" sz="1400" dirty="0"/>
+              <a:rPr lang="en-GB" sz="2000" dirty="0"/>
+              <a:t>Sort the universities in ascending and descending order to give user both perspectives of the </a:t>
+            </a:r>
+            <a:r>
+              <a:rPr lang="en-GB" sz="2000" dirty="0" smtClean="0"/>
+              <a:t>data</a:t>
+            </a:r>
+            <a:endParaRPr lang="pt-PT" sz="2000" dirty="0"/>
           </a:p>
         </p:txBody>
       </p:sp>
       <p:pic>
         <p:nvPicPr>
-          <p:cNvPr id="8" name="Imagem 2" descr="C:\ProgrammingWorkspace\OtherWorkspace\VI-Project\III-Checkpoint\BertinMatrix2.png"/>
+          <p:cNvPr id="12" name="Imagem 2" descr="C:\ProgrammingWorkspace\OtherWorkspace\VI-Project\III-Checkpoint\BertinMatrix2.png"/>
           <p:cNvPicPr/>
           <p:nvPr/>
         </p:nvPicPr>
@@ -5817,7 +6140,7 @@
         </p:blipFill>
         <p:spPr bwMode="auto">
           <a:xfrm>
-            <a:off x="382384" y="2420887"/>
+            <a:off x="539552" y="2420887"/>
             <a:ext cx="4045600" cy="2292033"/>
           </a:xfrm>
           <a:prstGeom prst="rect">
@@ -5832,36 +6155,43 @@
           </a:ln>
         </p:spPr>
       </p:pic>
-      <p:pic>
-        <p:nvPicPr>
-          <p:cNvPr id="9" name="Imagem 1" descr="C:\ProgrammingWorkspace\OtherWorkspace\VI-Project\III-Checkpoint\BertinMatrix1.png"/>
-          <p:cNvPicPr/>
+      <p:sp>
+        <p:nvSpPr>
+          <p:cNvPr id="13" name="Rectangle 12"/>
+          <p:cNvSpPr/>
           <p:nvPr/>
-        </p:nvPicPr>
-        <p:blipFill>
-          <a:blip r:embed="rId4"/>
-          <a:srcRect/>
-          <a:stretch>
-            <a:fillRect/>
-          </a:stretch>
-        </p:blipFill>
-        <p:spPr bwMode="auto">
+        </p:nvSpPr>
+        <p:spPr>
           <a:xfrm>
-            <a:off x="4644007" y="2420887"/>
-            <a:ext cx="4032449" cy="2292033"/>
+            <a:off x="467544" y="4869160"/>
+            <a:ext cx="7776864" cy="1015663"/>
           </a:xfrm>
           <a:prstGeom prst="rect">
             <a:avLst/>
           </a:prstGeom>
-          <a:noFill/>
-          <a:ln w="9525">
-            <a:noFill/>
-            <a:miter lim="800000"/>
-            <a:headEnd/>
-            <a:tailEnd/>
-          </a:ln>
         </p:spPr>
-      </p:pic>
+        <p:txBody>
+          <a:bodyPr wrap="square">
+            <a:spAutoFit/>
+          </a:bodyPr>
+          <a:lstStyle/>
+          <a:p>
+            <a:r>
+              <a:rPr lang="en-GB" sz="2000" dirty="0"/>
+              <a:t>It will be possible to choose a particular university to see in the top of the matrix using interactivity, and the selection of a </a:t>
+            </a:r>
+            <a:r>
+              <a:rPr lang="en-GB" sz="2000" dirty="0" smtClean="0"/>
+              <a:t>course will </a:t>
+            </a:r>
+            <a:r>
+              <a:rPr lang="en-GB" sz="2000" dirty="0"/>
+              <a:t>put that course university in the top and highlighted.</a:t>
+            </a:r>
+            <a:endParaRPr lang="pt-PT" sz="2000" dirty="0"/>
+          </a:p>
+        </p:txBody>
+      </p:sp>
     </p:spTree>
     <p:extLst>
       <p:ext uri="{BB962C8B-B14F-4D97-AF65-F5344CB8AC3E}">
@@ -5872,6 +6202,13 @@
   <p:clrMapOvr>
     <a:masterClrMapping/>
   </p:clrMapOvr>
+  <p:timing>
+    <p:tnLst>
+      <p:par>
+        <p:cTn id="1" dur="indefinite" restart="never" nodeType="tmRoot"/>
+      </p:par>
+    </p:tnLst>
+  </p:timing>
 </p:sld>
 </file>
 
